--- a/DER.pptx
+++ b/DER.pptx
@@ -209,7 +209,7 @@
             <a:fld id="{31D80FCB-0C98-4FEC-913F-D1CE549C68F4}" type="datetimeFigureOut">
               <a:rPr lang="es-ES" smtClean="0"/>
               <a:pPr/>
-              <a:t>23/05/2018</a:t>
+              <a:t>25/05/2018</a:t>
             </a:fld>
             <a:endParaRPr lang="es-ES"/>
           </a:p>
@@ -736,7 +736,7 @@
             <a:fld id="{233507BA-75E7-43EB-874C-44A83DC5F6B7}" type="datetimeFigureOut">
               <a:rPr lang="es-ES" smtClean="0"/>
               <a:pPr/>
-              <a:t>23/05/2018</a:t>
+              <a:t>25/05/2018</a:t>
             </a:fld>
             <a:endParaRPr lang="es-ES"/>
           </a:p>
@@ -901,7 +901,7 @@
             <a:fld id="{233507BA-75E7-43EB-874C-44A83DC5F6B7}" type="datetimeFigureOut">
               <a:rPr lang="es-ES" smtClean="0"/>
               <a:pPr/>
-              <a:t>23/05/2018</a:t>
+              <a:t>25/05/2018</a:t>
             </a:fld>
             <a:endParaRPr lang="es-ES"/>
           </a:p>
@@ -1076,7 +1076,7 @@
             <a:fld id="{233507BA-75E7-43EB-874C-44A83DC5F6B7}" type="datetimeFigureOut">
               <a:rPr lang="es-ES" smtClean="0"/>
               <a:pPr/>
-              <a:t>23/05/2018</a:t>
+              <a:t>25/05/2018</a:t>
             </a:fld>
             <a:endParaRPr lang="es-ES"/>
           </a:p>
@@ -1241,7 +1241,7 @@
             <a:fld id="{233507BA-75E7-43EB-874C-44A83DC5F6B7}" type="datetimeFigureOut">
               <a:rPr lang="es-ES" smtClean="0"/>
               <a:pPr/>
-              <a:t>23/05/2018</a:t>
+              <a:t>25/05/2018</a:t>
             </a:fld>
             <a:endParaRPr lang="es-ES"/>
           </a:p>
@@ -1483,7 +1483,7 @@
             <a:fld id="{233507BA-75E7-43EB-874C-44A83DC5F6B7}" type="datetimeFigureOut">
               <a:rPr lang="es-ES" smtClean="0"/>
               <a:pPr/>
-              <a:t>23/05/2018</a:t>
+              <a:t>25/05/2018</a:t>
             </a:fld>
             <a:endParaRPr lang="es-ES"/>
           </a:p>
@@ -1765,7 +1765,7 @@
             <a:fld id="{233507BA-75E7-43EB-874C-44A83DC5F6B7}" type="datetimeFigureOut">
               <a:rPr lang="es-ES" smtClean="0"/>
               <a:pPr/>
-              <a:t>23/05/2018</a:t>
+              <a:t>25/05/2018</a:t>
             </a:fld>
             <a:endParaRPr lang="es-ES"/>
           </a:p>
@@ -2181,7 +2181,7 @@
             <a:fld id="{233507BA-75E7-43EB-874C-44A83DC5F6B7}" type="datetimeFigureOut">
               <a:rPr lang="es-ES" smtClean="0"/>
               <a:pPr/>
-              <a:t>23/05/2018</a:t>
+              <a:t>25/05/2018</a:t>
             </a:fld>
             <a:endParaRPr lang="es-ES"/>
           </a:p>
@@ -2295,7 +2295,7 @@
             <a:fld id="{233507BA-75E7-43EB-874C-44A83DC5F6B7}" type="datetimeFigureOut">
               <a:rPr lang="es-ES" smtClean="0"/>
               <a:pPr/>
-              <a:t>23/05/2018</a:t>
+              <a:t>25/05/2018</a:t>
             </a:fld>
             <a:endParaRPr lang="es-ES"/>
           </a:p>
@@ -2387,7 +2387,7 @@
             <a:fld id="{233507BA-75E7-43EB-874C-44A83DC5F6B7}" type="datetimeFigureOut">
               <a:rPr lang="es-ES" smtClean="0"/>
               <a:pPr/>
-              <a:t>23/05/2018</a:t>
+              <a:t>25/05/2018</a:t>
             </a:fld>
             <a:endParaRPr lang="es-ES"/>
           </a:p>
@@ -2659,7 +2659,7 @@
             <a:fld id="{233507BA-75E7-43EB-874C-44A83DC5F6B7}" type="datetimeFigureOut">
               <a:rPr lang="es-ES" smtClean="0"/>
               <a:pPr/>
-              <a:t>23/05/2018</a:t>
+              <a:t>25/05/2018</a:t>
             </a:fld>
             <a:endParaRPr lang="es-ES"/>
           </a:p>
@@ -2908,7 +2908,7 @@
             <a:fld id="{233507BA-75E7-43EB-874C-44A83DC5F6B7}" type="datetimeFigureOut">
               <a:rPr lang="es-ES" smtClean="0"/>
               <a:pPr/>
-              <a:t>23/05/2018</a:t>
+              <a:t>25/05/2018</a:t>
             </a:fld>
             <a:endParaRPr lang="es-ES"/>
           </a:p>
@@ -3116,7 +3116,7 @@
             <a:fld id="{233507BA-75E7-43EB-874C-44A83DC5F6B7}" type="datetimeFigureOut">
               <a:rPr lang="es-ES" smtClean="0"/>
               <a:pPr/>
-              <a:t>23/05/2018</a:t>
+              <a:t>25/05/2018</a:t>
             </a:fld>
             <a:endParaRPr lang="es-ES"/>
           </a:p>
@@ -17059,7 +17059,7 @@
           <p:nvPr>
             <p:extLst>
               <p:ext uri="{D42A27DB-BD31-4B8C-83A1-F6EECF244321}">
-                <p14:modId xmlns:p14="http://schemas.microsoft.com/office/powerpoint/2010/main" val="2446984572"/>
+                <p14:modId xmlns:p14="http://schemas.microsoft.com/office/powerpoint/2010/main" val="1240198169"/>
               </p:ext>
             </p:extLst>
           </p:nvPr>
@@ -17276,7 +17276,7 @@
                     <a:lstStyle/>
                     <a:p>
                       <a:r>
-                        <a:rPr lang="es-AR" sz="1800" u="sng" kern="1200" dirty="0" err="1">
+                        <a:rPr lang="es-AR" sz="1800" u="sng" kern="1200">
                           <a:solidFill>
                             <a:schemeClr val="tx1"/>
                           </a:solidFill>
@@ -17284,7 +17284,7 @@
                           <a:ea typeface="+mn-ea"/>
                           <a:cs typeface="+mn-cs"/>
                         </a:rPr>
-                        <a:t>Rol_nombre</a:t>
+                        <a:t>Hotel_codigo </a:t>
                       </a:r>
                       <a:r>
                         <a:rPr lang="es-AR" sz="1800" u="sng" kern="1200" dirty="0">
@@ -17295,7 +17295,7 @@
                           <a:ea typeface="+mn-ea"/>
                           <a:cs typeface="+mn-cs"/>
                         </a:rPr>
-                        <a:t> (FK)</a:t>
+                        <a:t>(FK)</a:t>
                       </a:r>
                       <a:endParaRPr lang="es-AR" dirty="0"/>
                     </a:p>

--- a/DER.pptx
+++ b/DER.pptx
@@ -209,7 +209,7 @@
             <a:fld id="{31D80FCB-0C98-4FEC-913F-D1CE549C68F4}" type="datetimeFigureOut">
               <a:rPr lang="es-ES" smtClean="0"/>
               <a:pPr/>
-              <a:t>25/05/2018</a:t>
+              <a:t>27/05/2018</a:t>
             </a:fld>
             <a:endParaRPr lang="es-ES"/>
           </a:p>
@@ -736,7 +736,7 @@
             <a:fld id="{233507BA-75E7-43EB-874C-44A83DC5F6B7}" type="datetimeFigureOut">
               <a:rPr lang="es-ES" smtClean="0"/>
               <a:pPr/>
-              <a:t>25/05/2018</a:t>
+              <a:t>27/05/2018</a:t>
             </a:fld>
             <a:endParaRPr lang="es-ES"/>
           </a:p>
@@ -901,7 +901,7 @@
             <a:fld id="{233507BA-75E7-43EB-874C-44A83DC5F6B7}" type="datetimeFigureOut">
               <a:rPr lang="es-ES" smtClean="0"/>
               <a:pPr/>
-              <a:t>25/05/2018</a:t>
+              <a:t>27/05/2018</a:t>
             </a:fld>
             <a:endParaRPr lang="es-ES"/>
           </a:p>
@@ -1076,7 +1076,7 @@
             <a:fld id="{233507BA-75E7-43EB-874C-44A83DC5F6B7}" type="datetimeFigureOut">
               <a:rPr lang="es-ES" smtClean="0"/>
               <a:pPr/>
-              <a:t>25/05/2018</a:t>
+              <a:t>27/05/2018</a:t>
             </a:fld>
             <a:endParaRPr lang="es-ES"/>
           </a:p>
@@ -1241,7 +1241,7 @@
             <a:fld id="{233507BA-75E7-43EB-874C-44A83DC5F6B7}" type="datetimeFigureOut">
               <a:rPr lang="es-ES" smtClean="0"/>
               <a:pPr/>
-              <a:t>25/05/2018</a:t>
+              <a:t>27/05/2018</a:t>
             </a:fld>
             <a:endParaRPr lang="es-ES"/>
           </a:p>
@@ -1483,7 +1483,7 @@
             <a:fld id="{233507BA-75E7-43EB-874C-44A83DC5F6B7}" type="datetimeFigureOut">
               <a:rPr lang="es-ES" smtClean="0"/>
               <a:pPr/>
-              <a:t>25/05/2018</a:t>
+              <a:t>27/05/2018</a:t>
             </a:fld>
             <a:endParaRPr lang="es-ES"/>
           </a:p>
@@ -1765,7 +1765,7 @@
             <a:fld id="{233507BA-75E7-43EB-874C-44A83DC5F6B7}" type="datetimeFigureOut">
               <a:rPr lang="es-ES" smtClean="0"/>
               <a:pPr/>
-              <a:t>25/05/2018</a:t>
+              <a:t>27/05/2018</a:t>
             </a:fld>
             <a:endParaRPr lang="es-ES"/>
           </a:p>
@@ -2181,7 +2181,7 @@
             <a:fld id="{233507BA-75E7-43EB-874C-44A83DC5F6B7}" type="datetimeFigureOut">
               <a:rPr lang="es-ES" smtClean="0"/>
               <a:pPr/>
-              <a:t>25/05/2018</a:t>
+              <a:t>27/05/2018</a:t>
             </a:fld>
             <a:endParaRPr lang="es-ES"/>
           </a:p>
@@ -2295,7 +2295,7 @@
             <a:fld id="{233507BA-75E7-43EB-874C-44A83DC5F6B7}" type="datetimeFigureOut">
               <a:rPr lang="es-ES" smtClean="0"/>
               <a:pPr/>
-              <a:t>25/05/2018</a:t>
+              <a:t>27/05/2018</a:t>
             </a:fld>
             <a:endParaRPr lang="es-ES"/>
           </a:p>
@@ -2387,7 +2387,7 @@
             <a:fld id="{233507BA-75E7-43EB-874C-44A83DC5F6B7}" type="datetimeFigureOut">
               <a:rPr lang="es-ES" smtClean="0"/>
               <a:pPr/>
-              <a:t>25/05/2018</a:t>
+              <a:t>27/05/2018</a:t>
             </a:fld>
             <a:endParaRPr lang="es-ES"/>
           </a:p>
@@ -2659,7 +2659,7 @@
             <a:fld id="{233507BA-75E7-43EB-874C-44A83DC5F6B7}" type="datetimeFigureOut">
               <a:rPr lang="es-ES" smtClean="0"/>
               <a:pPr/>
-              <a:t>25/05/2018</a:t>
+              <a:t>27/05/2018</a:t>
             </a:fld>
             <a:endParaRPr lang="es-ES"/>
           </a:p>
@@ -2908,7 +2908,7 @@
             <a:fld id="{233507BA-75E7-43EB-874C-44A83DC5F6B7}" type="datetimeFigureOut">
               <a:rPr lang="es-ES" smtClean="0"/>
               <a:pPr/>
-              <a:t>25/05/2018</a:t>
+              <a:t>27/05/2018</a:t>
             </a:fld>
             <a:endParaRPr lang="es-ES"/>
           </a:p>
@@ -3116,7 +3116,7 @@
             <a:fld id="{233507BA-75E7-43EB-874C-44A83DC5F6B7}" type="datetimeFigureOut">
               <a:rPr lang="es-ES" smtClean="0"/>
               <a:pPr/>
-              <a:t>25/05/2018</a:t>
+              <a:t>27/05/2018</a:t>
             </a:fld>
             <a:endParaRPr lang="es-ES"/>
           </a:p>
@@ -6646,14 +6646,14 @@
           <p:nvPr>
             <p:extLst>
               <p:ext uri="{D42A27DB-BD31-4B8C-83A1-F6EECF244321}">
-                <p14:modId xmlns:p14="http://schemas.microsoft.com/office/powerpoint/2010/main" val="4248666479"/>
+                <p14:modId xmlns:p14="http://schemas.microsoft.com/office/powerpoint/2010/main" val="1771867192"/>
               </p:ext>
             </p:extLst>
           </p:nvPr>
         </p:nvGraphicFramePr>
         <p:xfrm>
           <a:off x="-7685344" y="-584941"/>
-          <a:ext cx="2627784" cy="4450080"/>
+          <a:ext cx="2627784" cy="5933440"/>
         </p:xfrm>
         <a:graphic>
           <a:graphicData uri="http://schemas.openxmlformats.org/drawingml/2006/table">
@@ -7094,7 +7094,7 @@
                     <a:p>
                       <a:r>
                         <a:rPr lang="en-US" dirty="0" err="1"/>
-                        <a:t>localidad</a:t>
+                        <a:t>dire_nro</a:t>
                       </a:r>
                       <a:endParaRPr lang="es-AR" dirty="0"/>
                     </a:p>
@@ -7122,7 +7122,167 @@
                 </a:tc>
                 <a:extLst>
                   <a:ext uri="{0D108BD9-81ED-4DB2-BD59-A6C34878D82A}">
+                    <a16:rowId xmlns:a16="http://schemas.microsoft.com/office/drawing/2014/main" val="3718149839"/>
+                  </a:ext>
+                </a:extLst>
+              </a:tr>
+              <a:tr h="370840">
+                <a:tc>
+                  <a:txBody>
+                    <a:bodyPr/>
+                    <a:lstStyle/>
+                    <a:p>
+                      <a:r>
+                        <a:rPr lang="en-US" dirty="0" err="1"/>
+                        <a:t>dire_localidad</a:t>
+                      </a:r>
+                      <a:endParaRPr lang="es-AR" dirty="0"/>
+                    </a:p>
+                  </a:txBody>
+                  <a:tcPr>
+                    <a:lnL w="12700" cap="flat" cmpd="sng" algn="ctr">
+                      <a:solidFill>
+                        <a:schemeClr val="tx1"/>
+                      </a:solidFill>
+                      <a:prstDash val="solid"/>
+                      <a:round/>
+                      <a:headEnd type="none" w="med" len="med"/>
+                      <a:tailEnd type="none" w="med" len="med"/>
+                    </a:lnL>
+                    <a:lnR w="12700" cap="flat" cmpd="sng" algn="ctr">
+                      <a:solidFill>
+                        <a:schemeClr val="tx1"/>
+                      </a:solidFill>
+                      <a:prstDash val="solid"/>
+                      <a:round/>
+                      <a:headEnd type="none" w="med" len="med"/>
+                      <a:tailEnd type="none" w="med" len="med"/>
+                    </a:lnR>
+                  </a:tcPr>
+                </a:tc>
+                <a:extLst>
+                  <a:ext uri="{0D108BD9-81ED-4DB2-BD59-A6C34878D82A}">
                     <a16:rowId xmlns:a16="http://schemas.microsoft.com/office/drawing/2014/main" val="3691799187"/>
+                  </a:ext>
+                </a:extLst>
+              </a:tr>
+              <a:tr h="370840">
+                <a:tc>
+                  <a:txBody>
+                    <a:bodyPr/>
+                    <a:lstStyle/>
+                    <a:p>
+                      <a:r>
+                        <a:rPr lang="en-US" dirty="0" err="1"/>
+                        <a:t>dire_pais</a:t>
+                      </a:r>
+                      <a:endParaRPr lang="es-AR" dirty="0"/>
+                    </a:p>
+                  </a:txBody>
+                  <a:tcPr>
+                    <a:lnL w="12700" cap="flat" cmpd="sng" algn="ctr">
+                      <a:solidFill>
+                        <a:schemeClr val="tx1"/>
+                      </a:solidFill>
+                      <a:prstDash val="solid"/>
+                      <a:round/>
+                      <a:headEnd type="none" w="med" len="med"/>
+                      <a:tailEnd type="none" w="med" len="med"/>
+                    </a:lnL>
+                    <a:lnR w="12700" cap="flat" cmpd="sng" algn="ctr">
+                      <a:solidFill>
+                        <a:schemeClr val="tx1"/>
+                      </a:solidFill>
+                      <a:prstDash val="solid"/>
+                      <a:round/>
+                      <a:headEnd type="none" w="med" len="med"/>
+                      <a:tailEnd type="none" w="med" len="med"/>
+                    </a:lnR>
+                  </a:tcPr>
+                </a:tc>
+                <a:extLst>
+                  <a:ext uri="{0D108BD9-81ED-4DB2-BD59-A6C34878D82A}">
+                    <a16:rowId xmlns:a16="http://schemas.microsoft.com/office/drawing/2014/main" val="3970359088"/>
+                  </a:ext>
+                </a:extLst>
+              </a:tr>
+              <a:tr h="370840">
+                <a:tc>
+                  <a:txBody>
+                    <a:bodyPr/>
+                    <a:lstStyle/>
+                    <a:p>
+                      <a:r>
+                        <a:rPr lang="en-US" dirty="0" err="1"/>
+                        <a:t>piso</a:t>
+                      </a:r>
+                      <a:endParaRPr lang="es-AR" dirty="0"/>
+                    </a:p>
+                  </a:txBody>
+                  <a:tcPr>
+                    <a:lnL w="12700" cap="flat" cmpd="sng" algn="ctr">
+                      <a:solidFill>
+                        <a:schemeClr val="tx1"/>
+                      </a:solidFill>
+                      <a:prstDash val="solid"/>
+                      <a:round/>
+                      <a:headEnd type="none" w="med" len="med"/>
+                      <a:tailEnd type="none" w="med" len="med"/>
+                    </a:lnL>
+                    <a:lnR w="12700" cap="flat" cmpd="sng" algn="ctr">
+                      <a:solidFill>
+                        <a:schemeClr val="tx1"/>
+                      </a:solidFill>
+                      <a:prstDash val="solid"/>
+                      <a:round/>
+                      <a:headEnd type="none" w="med" len="med"/>
+                      <a:tailEnd type="none" w="med" len="med"/>
+                    </a:lnR>
+                  </a:tcPr>
+                </a:tc>
+                <a:extLst>
+                  <a:ext uri="{0D108BD9-81ED-4DB2-BD59-A6C34878D82A}">
+                    <a16:rowId xmlns:a16="http://schemas.microsoft.com/office/drawing/2014/main" val="2462056180"/>
+                  </a:ext>
+                </a:extLst>
+              </a:tr>
+              <a:tr h="370840">
+                <a:tc>
+                  <a:txBody>
+                    <a:bodyPr/>
+                    <a:lstStyle/>
+                    <a:p>
+                      <a:r>
+                        <a:rPr lang="en-US" u="none" dirty="0" err="1"/>
+                        <a:t>depto</a:t>
+                      </a:r>
+                      <a:endParaRPr lang="es-AR" u="none" dirty="0"/>
+                    </a:p>
+                  </a:txBody>
+                  <a:tcPr>
+                    <a:lnL w="12700" cap="flat" cmpd="sng" algn="ctr">
+                      <a:solidFill>
+                        <a:schemeClr val="tx1"/>
+                      </a:solidFill>
+                      <a:prstDash val="solid"/>
+                      <a:round/>
+                      <a:headEnd type="none" w="med" len="med"/>
+                      <a:tailEnd type="none" w="med" len="med"/>
+                    </a:lnL>
+                    <a:lnR w="12700" cap="flat" cmpd="sng" algn="ctr">
+                      <a:solidFill>
+                        <a:schemeClr val="tx1"/>
+                      </a:solidFill>
+                      <a:prstDash val="solid"/>
+                      <a:round/>
+                      <a:headEnd type="none" w="med" len="med"/>
+                      <a:tailEnd type="none" w="med" len="med"/>
+                    </a:lnR>
+                  </a:tcPr>
+                </a:tc>
+                <a:extLst>
+                  <a:ext uri="{0D108BD9-81ED-4DB2-BD59-A6C34878D82A}">
+                    <a16:rowId xmlns:a16="http://schemas.microsoft.com/office/drawing/2014/main" val="19330025"/>
                   </a:ext>
                 </a:extLst>
               </a:tr>
@@ -8471,14 +8631,14 @@
           <p:nvPr>
             <p:extLst>
               <p:ext uri="{D42A27DB-BD31-4B8C-83A1-F6EECF244321}">
-                <p14:modId xmlns:p14="http://schemas.microsoft.com/office/powerpoint/2010/main" val="1574829329"/>
+                <p14:modId xmlns:p14="http://schemas.microsoft.com/office/powerpoint/2010/main" val="2841900181"/>
               </p:ext>
             </p:extLst>
           </p:nvPr>
         </p:nvGraphicFramePr>
         <p:xfrm>
           <a:off x="5299138" y="5828352"/>
-          <a:ext cx="1577118" cy="1849120"/>
+          <a:ext cx="1577118" cy="1478280"/>
         </p:xfrm>
         <a:graphic>
           <a:graphicData uri="http://schemas.openxmlformats.org/drawingml/2006/table">
@@ -8559,73 +8719,25 @@
                     <a:bodyPr/>
                     <a:lstStyle/>
                     <a:p>
+                      <a:pPr marL="0" marR="0" lvl="0" indent="0" algn="l" defTabSz="914400" rtl="0" eaLnBrk="1" fontAlgn="auto" latinLnBrk="0" hangingPunct="1">
+                        <a:lnSpc>
+                          <a:spcPct val="100000"/>
+                        </a:lnSpc>
+                        <a:spcBef>
+                          <a:spcPts val="0"/>
+                        </a:spcBef>
+                        <a:spcAft>
+                          <a:spcPts val="0"/>
+                        </a:spcAft>
+                        <a:buClrTx/>
+                        <a:buSzTx/>
+                        <a:buFontTx/>
+                        <a:buNone/>
+                        <a:tabLst/>
+                        <a:defRPr/>
+                      </a:pPr>
                       <a:r>
-                        <a:rPr lang="es-AR" sz="1800" u="sng" kern="1200" dirty="0" err="1">
-                          <a:solidFill>
-                            <a:schemeClr val="tx1"/>
-                          </a:solidFill>
-                          <a:latin typeface="+mn-lt"/>
-                          <a:ea typeface="+mn-ea"/>
-                          <a:cs typeface="+mn-cs"/>
-                        </a:rPr>
-                        <a:t>codigo</a:t>
-                      </a:r>
-                      <a:endParaRPr lang="es-AR" u="sng" dirty="0"/>
-                    </a:p>
-                  </a:txBody>
-                  <a:tcPr>
-                    <a:lnL w="12700" cap="flat" cmpd="sng" algn="ctr">
-                      <a:solidFill>
-                        <a:schemeClr val="tx1"/>
-                      </a:solidFill>
-                      <a:prstDash val="solid"/>
-                      <a:round/>
-                      <a:headEnd type="none" w="med" len="med"/>
-                      <a:tailEnd type="none" w="med" len="med"/>
-                    </a:lnL>
-                    <a:lnR w="12700" cap="flat" cmpd="sng" algn="ctr">
-                      <a:solidFill>
-                        <a:schemeClr val="tx1"/>
-                      </a:solidFill>
-                      <a:prstDash val="solid"/>
-                      <a:round/>
-                      <a:headEnd type="none" w="med" len="med"/>
-                      <a:tailEnd type="none" w="med" len="med"/>
-                    </a:lnR>
-                    <a:lnT w="12700" cap="flat" cmpd="sng" algn="ctr">
-                      <a:solidFill>
-                        <a:schemeClr val="tx1"/>
-                      </a:solidFill>
-                      <a:prstDash val="solid"/>
-                      <a:round/>
-                      <a:headEnd type="none" w="med" len="med"/>
-                      <a:tailEnd type="none" w="med" len="med"/>
-                    </a:lnT>
-                    <a:lnB w="12700" cap="flat" cmpd="sng" algn="ctr">
-                      <a:solidFill>
-                        <a:schemeClr val="tx1"/>
-                      </a:solidFill>
-                      <a:prstDash val="solid"/>
-                      <a:round/>
-                      <a:headEnd type="none" w="med" len="med"/>
-                      <a:tailEnd type="none" w="med" len="med"/>
-                    </a:lnB>
-                  </a:tcPr>
-                </a:tc>
-                <a:extLst>
-                  <a:ext uri="{0D108BD9-81ED-4DB2-BD59-A6C34878D82A}">
-                    <a16:rowId xmlns:a16="http://schemas.microsoft.com/office/drawing/2014/main" val="10001"/>
-                  </a:ext>
-                </a:extLst>
-              </a:tr>
-              <a:tr h="370840">
-                <a:tc>
-                  <a:txBody>
-                    <a:bodyPr/>
-                    <a:lstStyle/>
-                    <a:p>
-                      <a:r>
-                        <a:rPr lang="es-AR" sz="1800" u="none" kern="1200" dirty="0">
+                        <a:rPr lang="es-AR" sz="1800" u="sng" kern="1200" dirty="0">
                           <a:solidFill>
                             <a:schemeClr val="tx1"/>
                           </a:solidFill>
@@ -8635,7 +8747,7 @@
                         </a:rPr>
                         <a:t>nombre</a:t>
                       </a:r>
-                      <a:endParaRPr lang="es-AR" u="none" dirty="0"/>
+                      <a:endParaRPr lang="es-AR" u="sng" dirty="0"/>
                     </a:p>
                   </a:txBody>
                   <a:tcPr>
@@ -8666,11 +8778,20 @@
                       <a:headEnd type="none" w="med" len="med"/>
                       <a:tailEnd type="none" w="med" len="med"/>
                     </a:lnT>
+                    <a:lnB w="12700" cap="flat" cmpd="sng" algn="ctr">
+                      <a:solidFill>
+                        <a:schemeClr val="tx1"/>
+                      </a:solidFill>
+                      <a:prstDash val="solid"/>
+                      <a:round/>
+                      <a:headEnd type="none" w="med" len="med"/>
+                      <a:tailEnd type="none" w="med" len="med"/>
+                    </a:lnB>
                   </a:tcPr>
                 </a:tc>
                 <a:extLst>
                   <a:ext uri="{0D108BD9-81ED-4DB2-BD59-A6C34878D82A}">
-                    <a16:rowId xmlns:a16="http://schemas.microsoft.com/office/drawing/2014/main" val="10002"/>
+                    <a16:rowId xmlns:a16="http://schemas.microsoft.com/office/drawing/2014/main" val="10001"/>
                   </a:ext>
                 </a:extLst>
               </a:tr>
@@ -8706,6 +8827,15 @@
                       <a:headEnd type="none" w="med" len="med"/>
                       <a:tailEnd type="none" w="med" len="med"/>
                     </a:lnR>
+                    <a:lnT w="12700" cap="flat" cmpd="sng" algn="ctr">
+                      <a:solidFill>
+                        <a:schemeClr val="tx1"/>
+                      </a:solidFill>
+                      <a:prstDash val="solid"/>
+                      <a:round/>
+                      <a:headEnd type="none" w="med" len="med"/>
+                      <a:tailEnd type="none" w="med" len="med"/>
+                    </a:lnT>
                   </a:tcPr>
                 </a:tc>
                 <a:extLst>
@@ -10025,14 +10155,14 @@
           <p:nvPr>
             <p:extLst>
               <p:ext uri="{D42A27DB-BD31-4B8C-83A1-F6EECF244321}">
-                <p14:modId xmlns:p14="http://schemas.microsoft.com/office/powerpoint/2010/main" val="1685737996"/>
+                <p14:modId xmlns:p14="http://schemas.microsoft.com/office/powerpoint/2010/main" val="3382566605"/>
               </p:ext>
             </p:extLst>
           </p:nvPr>
         </p:nvGraphicFramePr>
         <p:xfrm>
           <a:off x="-766092" y="4188048"/>
-          <a:ext cx="2097732" cy="1473200"/>
+          <a:ext cx="2097732" cy="1838960"/>
         </p:xfrm>
         <a:graphic>
           <a:graphicData uri="http://schemas.openxmlformats.org/drawingml/2006/table">
@@ -10179,7 +10309,7 @@
                     <a:p>
                       <a:r>
                         <a:rPr lang="en-US" dirty="0" err="1"/>
-                        <a:t>descripcion</a:t>
+                        <a:t>Descripcion</a:t>
                       </a:r>
                       <a:endParaRPr lang="es-AR" dirty="0"/>
                     </a:p>
@@ -10260,15 +10390,6 @@
                       <a:headEnd type="none" w="med" len="med"/>
                       <a:tailEnd type="none" w="med" len="med"/>
                     </a:lnR>
-                    <a:lnB w="12700" cap="flat" cmpd="sng" algn="ctr">
-                      <a:solidFill>
-                        <a:schemeClr val="tx1"/>
-                      </a:solidFill>
-                      <a:prstDash val="solid"/>
-                      <a:round/>
-                      <a:headEnd type="none" w="med" len="med"/>
-                      <a:tailEnd type="none" w="med" len="med"/>
-                    </a:lnB>
                     <a:lnTlToBr w="12700" cmpd="sng">
                       <a:noFill/>
                       <a:prstDash val="solid"/>
@@ -10282,6 +10403,63 @@
                 <a:extLst>
                   <a:ext uri="{0D108BD9-81ED-4DB2-BD59-A6C34878D82A}">
                     <a16:rowId xmlns:a16="http://schemas.microsoft.com/office/drawing/2014/main" val="2131065937"/>
+                  </a:ext>
+                </a:extLst>
+              </a:tr>
+              <a:tr h="255632">
+                <a:tc>
+                  <a:txBody>
+                    <a:bodyPr/>
+                    <a:lstStyle/>
+                    <a:p>
+                      <a:r>
+                        <a:rPr lang="en-US" dirty="0" err="1"/>
+                        <a:t>porcentual</a:t>
+                      </a:r>
+                      <a:endParaRPr lang="es-AR" dirty="0"/>
+                    </a:p>
+                  </a:txBody>
+                  <a:tcPr>
+                    <a:lnL w="12700" cap="flat" cmpd="sng" algn="ctr">
+                      <a:solidFill>
+                        <a:schemeClr val="tx1"/>
+                      </a:solidFill>
+                      <a:prstDash val="solid"/>
+                      <a:round/>
+                      <a:headEnd type="none" w="med" len="med"/>
+                      <a:tailEnd type="none" w="med" len="med"/>
+                    </a:lnL>
+                    <a:lnR w="12700" cap="flat" cmpd="sng" algn="ctr">
+                      <a:solidFill>
+                        <a:schemeClr val="tx1"/>
+                      </a:solidFill>
+                      <a:prstDash val="solid"/>
+                      <a:round/>
+                      <a:headEnd type="none" w="med" len="med"/>
+                      <a:tailEnd type="none" w="med" len="med"/>
+                    </a:lnR>
+                    <a:lnB w="12700" cap="flat" cmpd="sng" algn="ctr">
+                      <a:solidFill>
+                        <a:schemeClr val="tx1"/>
+                      </a:solidFill>
+                      <a:prstDash val="solid"/>
+                      <a:round/>
+                      <a:headEnd type="none" w="med" len="med"/>
+                      <a:tailEnd type="none" w="med" len="med"/>
+                    </a:lnB>
+                    <a:lnTlToBr w="12700" cmpd="sng">
+                      <a:noFill/>
+                      <a:prstDash val="solid"/>
+                    </a:lnTlToBr>
+                    <a:lnBlToTr w="12700" cmpd="sng">
+                      <a:noFill/>
+                      <a:prstDash val="solid"/>
+                    </a:lnBlToTr>
+                  </a:tcPr>
+                </a:tc>
+                <a:extLst>
+                  <a:ext uri="{0D108BD9-81ED-4DB2-BD59-A6C34878D82A}">
+                    <a16:rowId xmlns:a16="http://schemas.microsoft.com/office/drawing/2014/main" val="4083439145"/>
                   </a:ext>
                 </a:extLst>
               </a:tr>
@@ -11543,7 +11721,7 @@
         </p:nvCxnSpPr>
         <p:spPr>
           <a:xfrm flipV="1">
-            <a:off x="-972616" y="6154390"/>
+            <a:off x="1479149" y="6158662"/>
             <a:ext cx="5937" cy="409450"/>
           </a:xfrm>
           <a:prstGeom prst="line">
@@ -11588,152 +11766,8 @@
         </p:nvCxnSpPr>
         <p:spPr>
           <a:xfrm flipV="1">
-            <a:off x="-1116632" y="6154390"/>
+            <a:off x="1335133" y="6158662"/>
             <a:ext cx="5937" cy="409450"/>
-          </a:xfrm>
-          <a:prstGeom prst="line">
-            <a:avLst/>
-          </a:prstGeom>
-          <a:ln cmpd="sng">
-            <a:solidFill>
-              <a:schemeClr val="tx1">
-                <a:alpha val="96000"/>
-              </a:schemeClr>
-            </a:solidFill>
-          </a:ln>
-        </p:spPr>
-        <p:style>
-          <a:lnRef idx="1">
-            <a:schemeClr val="accent1"/>
-          </a:lnRef>
-          <a:fillRef idx="0">
-            <a:schemeClr val="accent1"/>
-          </a:fillRef>
-          <a:effectRef idx="0">
-            <a:schemeClr val="accent1"/>
-          </a:effectRef>
-          <a:fontRef idx="minor">
-            <a:schemeClr val="tx1"/>
-          </a:fontRef>
-        </p:style>
-      </p:cxnSp>
-      <p:sp>
-        <p:nvSpPr>
-          <p:cNvPr id="225" name="26 Elipse">
-            <a:extLst>
-              <a:ext uri="{FF2B5EF4-FFF2-40B4-BE49-F238E27FC236}">
-                <a16:creationId xmlns:a16="http://schemas.microsoft.com/office/drawing/2014/main" id="{AFC5AFDE-8441-4F16-B18D-1F5BD27DA52E}"/>
-              </a:ext>
-            </a:extLst>
-          </p:cNvPr>
-          <p:cNvSpPr/>
-          <p:nvPr/>
-        </p:nvSpPr>
-        <p:spPr>
-          <a:xfrm>
-            <a:off x="910911" y="6153897"/>
-            <a:ext cx="403761" cy="415636"/>
-          </a:xfrm>
-          <a:prstGeom prst="ellipse">
-            <a:avLst/>
-          </a:prstGeom>
-          <a:noFill/>
-          <a:ln cmpd="sng">
-            <a:solidFill>
-              <a:schemeClr val="tx1">
-                <a:alpha val="96000"/>
-              </a:schemeClr>
-            </a:solidFill>
-          </a:ln>
-        </p:spPr>
-        <p:style>
-          <a:lnRef idx="2">
-            <a:schemeClr val="accent1">
-              <a:shade val="50000"/>
-            </a:schemeClr>
-          </a:lnRef>
-          <a:fillRef idx="1">
-            <a:schemeClr val="accent1"/>
-          </a:fillRef>
-          <a:effectRef idx="0">
-            <a:schemeClr val="accent1"/>
-          </a:effectRef>
-          <a:fontRef idx="minor">
-            <a:schemeClr val="lt1"/>
-          </a:fontRef>
-        </p:style>
-        <p:txBody>
-          <a:bodyPr rtlCol="0" anchor="ctr"/>
-          <a:lstStyle/>
-          <a:p>
-            <a:pPr algn="ctr"/>
-            <a:endParaRPr lang="es-ES"/>
-          </a:p>
-        </p:txBody>
-      </p:sp>
-      <p:cxnSp>
-        <p:nvCxnSpPr>
-          <p:cNvPr id="226" name="27 Conector recto">
-            <a:extLst>
-              <a:ext uri="{FF2B5EF4-FFF2-40B4-BE49-F238E27FC236}">
-                <a16:creationId xmlns:a16="http://schemas.microsoft.com/office/drawing/2014/main" id="{3E04F1A8-24E3-4C74-B529-5F371BCCA58E}"/>
-              </a:ext>
-            </a:extLst>
-          </p:cNvPr>
-          <p:cNvCxnSpPr>
-            <a:cxnSpLocks/>
-          </p:cNvCxnSpPr>
-          <p:nvPr/>
-        </p:nvCxnSpPr>
-        <p:spPr>
-          <a:xfrm>
-            <a:off x="1335790" y="6379526"/>
-            <a:ext cx="213756" cy="225631"/>
-          </a:xfrm>
-          <a:prstGeom prst="line">
-            <a:avLst/>
-          </a:prstGeom>
-          <a:ln cmpd="sng">
-            <a:solidFill>
-              <a:schemeClr val="tx1">
-                <a:alpha val="96000"/>
-              </a:schemeClr>
-            </a:solidFill>
-          </a:ln>
-        </p:spPr>
-        <p:style>
-          <a:lnRef idx="1">
-            <a:schemeClr val="accent1"/>
-          </a:lnRef>
-          <a:fillRef idx="0">
-            <a:schemeClr val="accent1"/>
-          </a:fillRef>
-          <a:effectRef idx="0">
-            <a:schemeClr val="accent1"/>
-          </a:effectRef>
-          <a:fontRef idx="minor">
-            <a:schemeClr val="tx1"/>
-          </a:fontRef>
-        </p:style>
-      </p:cxnSp>
-      <p:cxnSp>
-        <p:nvCxnSpPr>
-          <p:cNvPr id="227" name="28 Conector recto">
-            <a:extLst>
-              <a:ext uri="{FF2B5EF4-FFF2-40B4-BE49-F238E27FC236}">
-                <a16:creationId xmlns:a16="http://schemas.microsoft.com/office/drawing/2014/main" id="{85072FB6-7D02-45FA-8569-62FB5C637863}"/>
-              </a:ext>
-            </a:extLst>
-          </p:cNvPr>
-          <p:cNvCxnSpPr>
-            <a:cxnSpLocks/>
-          </p:cNvCxnSpPr>
-          <p:nvPr/>
-        </p:nvCxnSpPr>
-        <p:spPr>
-          <a:xfrm flipV="1">
-            <a:off x="1347932" y="6153898"/>
-            <a:ext cx="201881" cy="225628"/>
           </a:xfrm>
           <a:prstGeom prst="line">
             <a:avLst/>
@@ -11776,13 +11810,13 @@
           <p:nvPr>
             <p:extLst>
               <p:ext uri="{D42A27DB-BD31-4B8C-83A1-F6EECF244321}">
-                <p14:modId xmlns:p14="http://schemas.microsoft.com/office/powerpoint/2010/main" val="3117301480"/>
+                <p14:modId xmlns:p14="http://schemas.microsoft.com/office/powerpoint/2010/main" val="3873960749"/>
               </p:ext>
             </p:extLst>
           </p:nvPr>
         </p:nvGraphicFramePr>
         <p:xfrm>
-          <a:off x="-7597352" y="4293096"/>
+          <a:off x="-7597352" y="5539680"/>
           <a:ext cx="2544702" cy="2209800"/>
         </p:xfrm>
         <a:graphic>
@@ -12435,7 +12469,7 @@
         </p:nvCxnSpPr>
         <p:spPr>
           <a:xfrm>
-            <a:off x="-5053869" y="5216862"/>
+            <a:off x="-5053869" y="6080958"/>
             <a:ext cx="1267857" cy="350"/>
           </a:xfrm>
           <a:prstGeom prst="line">
@@ -12478,7 +12512,7 @@
         </p:nvSpPr>
         <p:spPr>
           <a:xfrm>
-            <a:off x="-4789040" y="5029588"/>
+            <a:off x="-4789040" y="5893684"/>
             <a:ext cx="403761" cy="415636"/>
           </a:xfrm>
           <a:prstGeom prst="ellipse">
@@ -12532,7 +12566,7 @@
         </p:nvCxnSpPr>
         <p:spPr>
           <a:xfrm flipV="1">
-            <a:off x="-3935965" y="5032681"/>
+            <a:off x="-3935965" y="5896777"/>
             <a:ext cx="5937" cy="409450"/>
           </a:xfrm>
           <a:prstGeom prst="line">
@@ -12575,7 +12609,7 @@
         </p:nvCxnSpPr>
         <p:spPr>
           <a:xfrm flipV="1">
-            <a:off x="-4079981" y="5032681"/>
+            <a:off x="-4079981" y="5896777"/>
             <a:ext cx="5937" cy="409450"/>
           </a:xfrm>
           <a:prstGeom prst="line">
@@ -15363,7 +15397,7 @@
         </p:nvCxnSpPr>
         <p:spPr>
           <a:xfrm>
-            <a:off x="-8514384" y="5142537"/>
+            <a:off x="-8514384" y="6425918"/>
             <a:ext cx="918715" cy="9459"/>
           </a:xfrm>
           <a:prstGeom prst="line">
@@ -15496,7 +15530,7 @@
         </p:nvSpPr>
         <p:spPr>
           <a:xfrm>
-            <a:off x="-8389440" y="4934719"/>
+            <a:off x="-8389440" y="6218100"/>
             <a:ext cx="403761" cy="415636"/>
           </a:xfrm>
           <a:prstGeom prst="ellipse">
@@ -15552,7 +15586,7 @@
         </p:nvCxnSpPr>
         <p:spPr>
           <a:xfrm>
-            <a:off x="-7886673" y="5160348"/>
+            <a:off x="-7886673" y="6443729"/>
             <a:ext cx="213756" cy="225631"/>
           </a:xfrm>
           <a:prstGeom prst="line">
@@ -15597,7 +15631,7 @@
         </p:nvCxnSpPr>
         <p:spPr>
           <a:xfrm flipV="1">
-            <a:off x="-7885384" y="4950857"/>
+            <a:off x="-7885384" y="6234238"/>
             <a:ext cx="201881" cy="225630"/>
           </a:xfrm>
           <a:prstGeom prst="line">
@@ -15642,8 +15676,8 @@
         </p:nvCxnSpPr>
         <p:spPr>
           <a:xfrm flipH="1">
-            <a:off x="-8511271" y="-4131840"/>
-            <a:ext cx="10731" cy="9268792"/>
+            <a:off x="-8514384" y="-4131840"/>
+            <a:ext cx="13845" cy="10557758"/>
           </a:xfrm>
           <a:prstGeom prst="line">
             <a:avLst/>
@@ -16839,7 +16873,7 @@
         </p:nvCxnSpPr>
         <p:spPr>
           <a:xfrm flipV="1">
-            <a:off x="-4866985" y="4997511"/>
+            <a:off x="-4866985" y="5861607"/>
             <a:ext cx="5937" cy="409450"/>
           </a:xfrm>
           <a:prstGeom prst="line">
@@ -18575,6 +18609,146 @@
           <a:xfrm flipV="1">
             <a:off x="1404997" y="-5746790"/>
             <a:ext cx="201881" cy="225630"/>
+          </a:xfrm>
+          <a:prstGeom prst="line">
+            <a:avLst/>
+          </a:prstGeom>
+          <a:ln cmpd="sng">
+            <a:solidFill>
+              <a:schemeClr val="tx1">
+                <a:alpha val="96000"/>
+              </a:schemeClr>
+            </a:solidFill>
+          </a:ln>
+        </p:spPr>
+        <p:style>
+          <a:lnRef idx="1">
+            <a:schemeClr val="accent1"/>
+          </a:lnRef>
+          <a:fillRef idx="0">
+            <a:schemeClr val="accent1"/>
+          </a:fillRef>
+          <a:effectRef idx="0">
+            <a:schemeClr val="accent1"/>
+          </a:effectRef>
+          <a:fontRef idx="minor">
+            <a:schemeClr val="tx1"/>
+          </a:fontRef>
+        </p:style>
+      </p:cxnSp>
+      <p:sp>
+        <p:nvSpPr>
+          <p:cNvPr id="182" name="126 Elipse">
+            <a:extLst>
+              <a:ext uri="{FF2B5EF4-FFF2-40B4-BE49-F238E27FC236}">
+                <a16:creationId xmlns:a16="http://schemas.microsoft.com/office/drawing/2014/main" id="{F4A6C856-7456-43D1-919E-46D10F44C962}"/>
+              </a:ext>
+            </a:extLst>
+          </p:cNvPr>
+          <p:cNvSpPr/>
+          <p:nvPr/>
+        </p:nvSpPr>
+        <p:spPr>
+          <a:xfrm>
+            <a:off x="-830344" y="6173671"/>
+            <a:ext cx="403761" cy="415636"/>
+          </a:xfrm>
+          <a:prstGeom prst="ellipse">
+            <a:avLst/>
+          </a:prstGeom>
+          <a:noFill/>
+          <a:ln cmpd="sng">
+            <a:solidFill>
+              <a:schemeClr val="tx1">
+                <a:alpha val="96000"/>
+              </a:schemeClr>
+            </a:solidFill>
+          </a:ln>
+        </p:spPr>
+        <p:style>
+          <a:lnRef idx="2">
+            <a:schemeClr val="accent1">
+              <a:shade val="50000"/>
+            </a:schemeClr>
+          </a:lnRef>
+          <a:fillRef idx="1">
+            <a:schemeClr val="accent1"/>
+          </a:fillRef>
+          <a:effectRef idx="0">
+            <a:schemeClr val="accent1"/>
+          </a:effectRef>
+          <a:fontRef idx="minor">
+            <a:schemeClr val="lt1"/>
+          </a:fontRef>
+        </p:style>
+        <p:txBody>
+          <a:bodyPr rtlCol="0" anchor="ctr"/>
+          <a:lstStyle/>
+          <a:p>
+            <a:pPr algn="ctr"/>
+            <a:endParaRPr lang="es-ES"/>
+          </a:p>
+        </p:txBody>
+      </p:sp>
+      <p:cxnSp>
+        <p:nvCxnSpPr>
+          <p:cNvPr id="236" name="128 Conector recto">
+            <a:extLst>
+              <a:ext uri="{FF2B5EF4-FFF2-40B4-BE49-F238E27FC236}">
+                <a16:creationId xmlns:a16="http://schemas.microsoft.com/office/drawing/2014/main" id="{0F5510CC-D94F-44D8-B372-9AA877F36DFD}"/>
+              </a:ext>
+            </a:extLst>
+          </p:cNvPr>
+          <p:cNvCxnSpPr/>
+          <p:nvPr/>
+        </p:nvCxnSpPr>
+        <p:spPr>
+          <a:xfrm>
+            <a:off x="-1116375" y="6119603"/>
+            <a:ext cx="213756" cy="225631"/>
+          </a:xfrm>
+          <a:prstGeom prst="line">
+            <a:avLst/>
+          </a:prstGeom>
+          <a:ln cmpd="sng">
+            <a:solidFill>
+              <a:schemeClr val="tx1">
+                <a:alpha val="96000"/>
+              </a:schemeClr>
+            </a:solidFill>
+          </a:ln>
+        </p:spPr>
+        <p:style>
+          <a:lnRef idx="1">
+            <a:schemeClr val="accent1"/>
+          </a:lnRef>
+          <a:fillRef idx="0">
+            <a:schemeClr val="accent1"/>
+          </a:fillRef>
+          <a:effectRef idx="0">
+            <a:schemeClr val="accent1"/>
+          </a:effectRef>
+          <a:fontRef idx="minor">
+            <a:schemeClr val="tx1"/>
+          </a:fontRef>
+        </p:style>
+      </p:cxnSp>
+      <p:cxnSp>
+        <p:nvCxnSpPr>
+          <p:cNvPr id="270" name="129 Conector recto">
+            <a:extLst>
+              <a:ext uri="{FF2B5EF4-FFF2-40B4-BE49-F238E27FC236}">
+                <a16:creationId xmlns:a16="http://schemas.microsoft.com/office/drawing/2014/main" id="{B3C14BA0-81EF-4FF5-97D7-5DF751380E36}"/>
+              </a:ext>
+            </a:extLst>
+          </p:cNvPr>
+          <p:cNvCxnSpPr/>
+          <p:nvPr/>
+        </p:nvCxnSpPr>
+        <p:spPr>
+          <a:xfrm flipV="1">
+            <a:off x="-1104233" y="6348782"/>
+            <a:ext cx="201881" cy="225629"/>
           </a:xfrm>
           <a:prstGeom prst="line">
             <a:avLst/>

--- a/DER.pptx
+++ b/DER.pptx
@@ -209,7 +209,7 @@
             <a:fld id="{31D80FCB-0C98-4FEC-913F-D1CE549C68F4}" type="datetimeFigureOut">
               <a:rPr lang="es-ES" smtClean="0"/>
               <a:pPr/>
-              <a:t>27/05/2018</a:t>
+              <a:t>13/06/2018</a:t>
             </a:fld>
             <a:endParaRPr lang="es-ES"/>
           </a:p>
@@ -736,7 +736,7 @@
             <a:fld id="{233507BA-75E7-43EB-874C-44A83DC5F6B7}" type="datetimeFigureOut">
               <a:rPr lang="es-ES" smtClean="0"/>
               <a:pPr/>
-              <a:t>27/05/2018</a:t>
+              <a:t>13/06/2018</a:t>
             </a:fld>
             <a:endParaRPr lang="es-ES"/>
           </a:p>
@@ -901,7 +901,7 @@
             <a:fld id="{233507BA-75E7-43EB-874C-44A83DC5F6B7}" type="datetimeFigureOut">
               <a:rPr lang="es-ES" smtClean="0"/>
               <a:pPr/>
-              <a:t>27/05/2018</a:t>
+              <a:t>13/06/2018</a:t>
             </a:fld>
             <a:endParaRPr lang="es-ES"/>
           </a:p>
@@ -1076,7 +1076,7 @@
             <a:fld id="{233507BA-75E7-43EB-874C-44A83DC5F6B7}" type="datetimeFigureOut">
               <a:rPr lang="es-ES" smtClean="0"/>
               <a:pPr/>
-              <a:t>27/05/2018</a:t>
+              <a:t>13/06/2018</a:t>
             </a:fld>
             <a:endParaRPr lang="es-ES"/>
           </a:p>
@@ -1241,7 +1241,7 @@
             <a:fld id="{233507BA-75E7-43EB-874C-44A83DC5F6B7}" type="datetimeFigureOut">
               <a:rPr lang="es-ES" smtClean="0"/>
               <a:pPr/>
-              <a:t>27/05/2018</a:t>
+              <a:t>13/06/2018</a:t>
             </a:fld>
             <a:endParaRPr lang="es-ES"/>
           </a:p>
@@ -1483,7 +1483,7 @@
             <a:fld id="{233507BA-75E7-43EB-874C-44A83DC5F6B7}" type="datetimeFigureOut">
               <a:rPr lang="es-ES" smtClean="0"/>
               <a:pPr/>
-              <a:t>27/05/2018</a:t>
+              <a:t>13/06/2018</a:t>
             </a:fld>
             <a:endParaRPr lang="es-ES"/>
           </a:p>
@@ -1765,7 +1765,7 @@
             <a:fld id="{233507BA-75E7-43EB-874C-44A83DC5F6B7}" type="datetimeFigureOut">
               <a:rPr lang="es-ES" smtClean="0"/>
               <a:pPr/>
-              <a:t>27/05/2018</a:t>
+              <a:t>13/06/2018</a:t>
             </a:fld>
             <a:endParaRPr lang="es-ES"/>
           </a:p>
@@ -2181,7 +2181,7 @@
             <a:fld id="{233507BA-75E7-43EB-874C-44A83DC5F6B7}" type="datetimeFigureOut">
               <a:rPr lang="es-ES" smtClean="0"/>
               <a:pPr/>
-              <a:t>27/05/2018</a:t>
+              <a:t>13/06/2018</a:t>
             </a:fld>
             <a:endParaRPr lang="es-ES"/>
           </a:p>
@@ -2295,7 +2295,7 @@
             <a:fld id="{233507BA-75E7-43EB-874C-44A83DC5F6B7}" type="datetimeFigureOut">
               <a:rPr lang="es-ES" smtClean="0"/>
               <a:pPr/>
-              <a:t>27/05/2018</a:t>
+              <a:t>13/06/2018</a:t>
             </a:fld>
             <a:endParaRPr lang="es-ES"/>
           </a:p>
@@ -2387,7 +2387,7 @@
             <a:fld id="{233507BA-75E7-43EB-874C-44A83DC5F6B7}" type="datetimeFigureOut">
               <a:rPr lang="es-ES" smtClean="0"/>
               <a:pPr/>
-              <a:t>27/05/2018</a:t>
+              <a:t>13/06/2018</a:t>
             </a:fld>
             <a:endParaRPr lang="es-ES"/>
           </a:p>
@@ -2659,7 +2659,7 @@
             <a:fld id="{233507BA-75E7-43EB-874C-44A83DC5F6B7}" type="datetimeFigureOut">
               <a:rPr lang="es-ES" smtClean="0"/>
               <a:pPr/>
-              <a:t>27/05/2018</a:t>
+              <a:t>13/06/2018</a:t>
             </a:fld>
             <a:endParaRPr lang="es-ES"/>
           </a:p>
@@ -2908,7 +2908,7 @@
             <a:fld id="{233507BA-75E7-43EB-874C-44A83DC5F6B7}" type="datetimeFigureOut">
               <a:rPr lang="es-ES" smtClean="0"/>
               <a:pPr/>
-              <a:t>27/05/2018</a:t>
+              <a:t>13/06/2018</a:t>
             </a:fld>
             <a:endParaRPr lang="es-ES"/>
           </a:p>
@@ -3116,7 +3116,7 @@
             <a:fld id="{233507BA-75E7-43EB-874C-44A83DC5F6B7}" type="datetimeFigureOut">
               <a:rPr lang="es-ES" smtClean="0"/>
               <a:pPr/>
-              <a:t>27/05/2018</a:t>
+              <a:t>13/06/2018</a:t>
             </a:fld>
             <a:endParaRPr lang="es-ES"/>
           </a:p>
@@ -3487,6 +3487,51 @@
           <a:chExt cx="0" cy="0"/>
         </a:xfrm>
       </p:grpSpPr>
+      <p:cxnSp>
+        <p:nvCxnSpPr>
+          <p:cNvPr id="304" name="Conector recto 266">
+            <a:extLst>
+              <a:ext uri="{FF2B5EF4-FFF2-40B4-BE49-F238E27FC236}">
+                <a16:creationId xmlns:a16="http://schemas.microsoft.com/office/drawing/2014/main" id="{70132775-CF79-4A3E-AEF5-598AE98E463B}"/>
+              </a:ext>
+            </a:extLst>
+          </p:cNvPr>
+          <p:cNvCxnSpPr>
+            <a:cxnSpLocks/>
+          </p:cNvCxnSpPr>
+          <p:nvPr/>
+        </p:nvCxnSpPr>
+        <p:spPr>
+          <a:xfrm>
+            <a:off x="-8517191" y="4903998"/>
+            <a:ext cx="810276" cy="12552"/>
+          </a:xfrm>
+          <a:prstGeom prst="line">
+            <a:avLst/>
+          </a:prstGeom>
+          <a:ln cmpd="sng">
+            <a:solidFill>
+              <a:schemeClr val="tx1">
+                <a:alpha val="96000"/>
+              </a:schemeClr>
+            </a:solidFill>
+          </a:ln>
+        </p:spPr>
+        <p:style>
+          <a:lnRef idx="1">
+            <a:schemeClr val="accent1"/>
+          </a:lnRef>
+          <a:fillRef idx="0">
+            <a:schemeClr val="accent1"/>
+          </a:fillRef>
+          <a:effectRef idx="0">
+            <a:schemeClr val="accent1"/>
+          </a:effectRef>
+          <a:fontRef idx="minor">
+            <a:schemeClr val="tx1"/>
+          </a:fontRef>
+        </p:style>
+      </p:cxnSp>
       <p:graphicFrame>
         <p:nvGraphicFramePr>
           <p:cNvPr id="4" name="Tabla 4"/>
@@ -3496,14 +3541,14 @@
           <p:nvPr>
             <p:extLst>
               <p:ext uri="{D42A27DB-BD31-4B8C-83A1-F6EECF244321}">
-                <p14:modId xmlns:p14="http://schemas.microsoft.com/office/powerpoint/2010/main" val="1201986931"/>
+                <p14:modId xmlns:p14="http://schemas.microsoft.com/office/powerpoint/2010/main" val="692825867"/>
               </p:ext>
             </p:extLst>
           </p:nvPr>
         </p:nvGraphicFramePr>
         <p:xfrm>
-          <a:off x="-5005064" y="-5860032"/>
-          <a:ext cx="2294759" cy="1483360"/>
+          <a:off x="-5005081" y="-6076056"/>
+          <a:ext cx="2294759" cy="1854200"/>
         </p:xfrm>
         <a:graphic>
           <a:graphicData uri="http://schemas.openxmlformats.org/drawingml/2006/table">
@@ -3673,7 +3718,6 @@
                         </a:rPr>
                         <a:t> (FK)</a:t>
                       </a:r>
-                      <a:endParaRPr lang="es-AR" dirty="0"/>
                     </a:p>
                   </a:txBody>
                   <a:tcPr>
@@ -3703,6 +3747,80 @@
                 <a:extLst>
                   <a:ext uri="{0D108BD9-81ED-4DB2-BD59-A6C34878D82A}">
                     <a16:rowId xmlns:a16="http://schemas.microsoft.com/office/drawing/2014/main" val="10002"/>
+                  </a:ext>
+                </a:extLst>
+              </a:tr>
+              <a:tr h="370840">
+                <a:tc>
+                  <a:txBody>
+                    <a:bodyPr/>
+                    <a:lstStyle/>
+                    <a:p>
+                      <a:r>
+                        <a:rPr lang="en-US" sz="1800" u="sng" kern="1200" dirty="0">
+                          <a:solidFill>
+                            <a:schemeClr val="tx1"/>
+                          </a:solidFill>
+                          <a:latin typeface="+mn-lt"/>
+                          <a:ea typeface="+mn-ea"/>
+                          <a:cs typeface="+mn-cs"/>
+                        </a:rPr>
+                        <a:t>U</a:t>
+                      </a:r>
+                      <a:r>
+                        <a:rPr lang="es-AR" sz="1800" u="sng" kern="1200" dirty="0" err="1">
+                          <a:solidFill>
+                            <a:schemeClr val="tx1"/>
+                          </a:solidFill>
+                          <a:latin typeface="+mn-lt"/>
+                          <a:ea typeface="+mn-ea"/>
+                          <a:cs typeface="+mn-cs"/>
+                        </a:rPr>
+                        <a:t>suario_mail</a:t>
+                      </a:r>
+                      <a:r>
+                        <a:rPr lang="es-AR" sz="1800" u="sng" kern="1200" dirty="0">
+                          <a:solidFill>
+                            <a:schemeClr val="tx1"/>
+                          </a:solidFill>
+                          <a:latin typeface="+mn-lt"/>
+                          <a:ea typeface="+mn-ea"/>
+                          <a:cs typeface="+mn-cs"/>
+                        </a:rPr>
+                        <a:t> (FK)</a:t>
+                      </a:r>
+                    </a:p>
+                  </a:txBody>
+                  <a:tcPr>
+                    <a:lnL w="12700" cap="flat" cmpd="sng" algn="ctr">
+                      <a:solidFill>
+                        <a:schemeClr val="tx1"/>
+                      </a:solidFill>
+                      <a:prstDash val="solid"/>
+                      <a:round/>
+                      <a:headEnd type="none" w="med" len="med"/>
+                      <a:tailEnd type="none" w="med" len="med"/>
+                    </a:lnL>
+                    <a:lnR w="12700" cap="flat" cmpd="sng" algn="ctr">
+                      <a:solidFill>
+                        <a:schemeClr val="tx1"/>
+                      </a:solidFill>
+                      <a:prstDash val="solid"/>
+                      <a:round/>
+                      <a:headEnd type="none" w="med" len="med"/>
+                      <a:tailEnd type="none" w="med" len="med"/>
+                    </a:lnR>
+                    <a:lnT>
+                      <a:noFill/>
+                    </a:lnT>
+                    <a:lnB>
+                      <a:noFill/>
+                    </a:lnB>
+                  </a:tcPr>
+                </a:tc>
+                <a:extLst>
+                  <a:ext uri="{0D108BD9-81ED-4DB2-BD59-A6C34878D82A}">
+                    <a16:rowId xmlns:a16="http://schemas.microsoft.com/office/drawing/2014/main" val="1613039095"/>
                   </a:ext>
                 </a:extLst>
               </a:tr>
@@ -4687,14 +4805,14 @@
           <p:nvPr>
             <p:extLst>
               <p:ext uri="{D42A27DB-BD31-4B8C-83A1-F6EECF244321}">
-                <p14:modId xmlns:p14="http://schemas.microsoft.com/office/powerpoint/2010/main" val="1675165518"/>
+                <p14:modId xmlns:p14="http://schemas.microsoft.com/office/powerpoint/2010/main" val="2181936737"/>
               </p:ext>
             </p:extLst>
           </p:nvPr>
         </p:nvGraphicFramePr>
         <p:xfrm>
           <a:off x="5220072" y="-5283968"/>
-          <a:ext cx="2736304" cy="5256584"/>
+          <a:ext cx="2736304" cy="5249376"/>
         </p:xfrm>
         <a:graphic>
           <a:graphicData uri="http://schemas.openxmlformats.org/drawingml/2006/table">
@@ -4903,9 +5021,7 @@
                       <a:tailEnd type="none" w="med" len="med"/>
                     </a:lnR>
                     <a:lnB w="12700" cap="flat" cmpd="sng" algn="ctr">
-                      <a:solidFill>
-                        <a:schemeClr val="tx1"/>
-                      </a:solidFill>
+                      <a:noFill/>
                       <a:prstDash val="solid"/>
                       <a:round/>
                       <a:headEnd type="none" w="med" len="med"/>
@@ -4916,6 +5032,79 @@
                 <a:extLst>
                   <a:ext uri="{0D108BD9-81ED-4DB2-BD59-A6C34878D82A}">
                     <a16:rowId xmlns:a16="http://schemas.microsoft.com/office/drawing/2014/main" val="10002"/>
+                  </a:ext>
+                </a:extLst>
+              </a:tr>
+              <a:tr h="370840">
+                <a:tc>
+                  <a:txBody>
+                    <a:bodyPr/>
+                    <a:lstStyle/>
+                    <a:p>
+                      <a:pPr marL="0" marR="0" lvl="0" indent="0" algn="l" defTabSz="914400" rtl="0" eaLnBrk="1" fontAlgn="auto" latinLnBrk="0" hangingPunct="1">
+                        <a:lnSpc>
+                          <a:spcPct val="100000"/>
+                        </a:lnSpc>
+                        <a:spcBef>
+                          <a:spcPts val="0"/>
+                        </a:spcBef>
+                        <a:spcAft>
+                          <a:spcPts val="0"/>
+                        </a:spcAft>
+                        <a:buClrTx/>
+                        <a:buSzTx/>
+                        <a:buFontTx/>
+                        <a:buNone/>
+                        <a:tabLst/>
+                        <a:defRPr/>
+                      </a:pPr>
+                      <a:r>
+                        <a:rPr lang="en-US" u="sng" dirty="0"/>
+                        <a:t>mail</a:t>
+                      </a:r>
+                      <a:endParaRPr lang="es-AR" u="sng" dirty="0"/>
+                    </a:p>
+                  </a:txBody>
+                  <a:tcPr>
+                    <a:lnL w="12700" cap="flat" cmpd="sng" algn="ctr">
+                      <a:solidFill>
+                        <a:schemeClr val="tx1"/>
+                      </a:solidFill>
+                      <a:prstDash val="solid"/>
+                      <a:round/>
+                      <a:headEnd type="none" w="med" len="med"/>
+                      <a:tailEnd type="none" w="med" len="med"/>
+                    </a:lnL>
+                    <a:lnR w="12700" cap="flat" cmpd="sng" algn="ctr">
+                      <a:solidFill>
+                        <a:schemeClr val="tx1"/>
+                      </a:solidFill>
+                      <a:prstDash val="solid"/>
+                      <a:round/>
+                      <a:headEnd type="none" w="med" len="med"/>
+                      <a:tailEnd type="none" w="med" len="med"/>
+                    </a:lnR>
+                    <a:lnT w="12700" cap="flat" cmpd="sng" algn="ctr">
+                      <a:noFill/>
+                      <a:prstDash val="solid"/>
+                      <a:round/>
+                      <a:headEnd type="none" w="med" len="med"/>
+                      <a:tailEnd type="none" w="med" len="med"/>
+                    </a:lnT>
+                    <a:lnB w="12700" cap="flat" cmpd="sng" algn="ctr">
+                      <a:solidFill>
+                        <a:schemeClr val="tx1"/>
+                      </a:solidFill>
+                      <a:prstDash val="solid"/>
+                      <a:round/>
+                      <a:headEnd type="none" w="med" len="med"/>
+                      <a:tailEnd type="none" w="med" len="med"/>
+                    </a:lnB>
+                  </a:tcPr>
+                </a:tc>
+                <a:extLst>
+                  <a:ext uri="{0D108BD9-81ED-4DB2-BD59-A6C34878D82A}">
+                    <a16:rowId xmlns:a16="http://schemas.microsoft.com/office/drawing/2014/main" val="3645730892"/>
                   </a:ext>
                 </a:extLst>
               </a:tr>
@@ -5123,54 +5312,6 @@
                 <a:extLst>
                   <a:ext uri="{0D108BD9-81ED-4DB2-BD59-A6C34878D82A}">
                     <a16:rowId xmlns:a16="http://schemas.microsoft.com/office/drawing/2014/main" val="1781968652"/>
-                  </a:ext>
-                </a:extLst>
-              </a:tr>
-              <a:tr h="378048">
-                <a:tc>
-                  <a:txBody>
-                    <a:bodyPr/>
-                    <a:lstStyle/>
-                    <a:p>
-                      <a:r>
-                        <a:rPr lang="en-US" dirty="0"/>
-                        <a:t>mail</a:t>
-                      </a:r>
-                      <a:endParaRPr lang="es-AR" dirty="0"/>
-                    </a:p>
-                  </a:txBody>
-                  <a:tcPr>
-                    <a:lnL w="12700" cap="flat" cmpd="sng" algn="ctr">
-                      <a:solidFill>
-                        <a:schemeClr val="tx1"/>
-                      </a:solidFill>
-                      <a:prstDash val="solid"/>
-                      <a:round/>
-                      <a:headEnd type="none" w="med" len="med"/>
-                      <a:tailEnd type="none" w="med" len="med"/>
-                    </a:lnL>
-                    <a:lnR w="12700" cap="flat" cmpd="sng" algn="ctr">
-                      <a:solidFill>
-                        <a:schemeClr val="tx1"/>
-                      </a:solidFill>
-                      <a:prstDash val="solid"/>
-                      <a:round/>
-                      <a:headEnd type="none" w="med" len="med"/>
-                      <a:tailEnd type="none" w="med" len="med"/>
-                    </a:lnR>
-                    <a:lnTlToBr w="12700" cmpd="sng">
-                      <a:noFill/>
-                      <a:prstDash val="solid"/>
-                    </a:lnTlToBr>
-                    <a:lnBlToTr w="12700" cmpd="sng">
-                      <a:noFill/>
-                      <a:prstDash val="solid"/>
-                    </a:lnBlToTr>
-                  </a:tcPr>
-                </a:tc>
-                <a:extLst>
-                  <a:ext uri="{0D108BD9-81ED-4DB2-BD59-A6C34878D82A}">
-                    <a16:rowId xmlns:a16="http://schemas.microsoft.com/office/drawing/2014/main" val="1303557967"/>
                   </a:ext>
                 </a:extLst>
               </a:tr>
@@ -6646,7 +6787,7 @@
           <p:nvPr>
             <p:extLst>
               <p:ext uri="{D42A27DB-BD31-4B8C-83A1-F6EECF244321}">
-                <p14:modId xmlns:p14="http://schemas.microsoft.com/office/powerpoint/2010/main" val="1771867192"/>
+                <p14:modId xmlns:p14="http://schemas.microsoft.com/office/powerpoint/2010/main" val="869877274"/>
               </p:ext>
             </p:extLst>
           </p:nvPr>
@@ -6862,9 +7003,7 @@
                       <a:tailEnd type="none" w="med" len="med"/>
                     </a:lnR>
                     <a:lnB w="12700" cap="flat" cmpd="sng" algn="ctr">
-                      <a:solidFill>
-                        <a:schemeClr val="tx1"/>
-                      </a:solidFill>
+                      <a:noFill/>
                       <a:prstDash val="solid"/>
                       <a:round/>
                       <a:headEnd type="none" w="med" len="med"/>
@@ -6875,6 +7014,79 @@
                 <a:extLst>
                   <a:ext uri="{0D108BD9-81ED-4DB2-BD59-A6C34878D82A}">
                     <a16:rowId xmlns:a16="http://schemas.microsoft.com/office/drawing/2014/main" val="10002"/>
+                  </a:ext>
+                </a:extLst>
+              </a:tr>
+              <a:tr h="370840">
+                <a:tc>
+                  <a:txBody>
+                    <a:bodyPr/>
+                    <a:lstStyle/>
+                    <a:p>
+                      <a:pPr marL="0" marR="0" lvl="0" indent="0" algn="l" defTabSz="914400" rtl="0" eaLnBrk="1" fontAlgn="auto" latinLnBrk="0" hangingPunct="1">
+                        <a:lnSpc>
+                          <a:spcPct val="100000"/>
+                        </a:lnSpc>
+                        <a:spcBef>
+                          <a:spcPts val="0"/>
+                        </a:spcBef>
+                        <a:spcAft>
+                          <a:spcPts val="0"/>
+                        </a:spcAft>
+                        <a:buClrTx/>
+                        <a:buSzTx/>
+                        <a:buFontTx/>
+                        <a:buNone/>
+                        <a:tabLst/>
+                        <a:defRPr/>
+                      </a:pPr>
+                      <a:r>
+                        <a:rPr lang="en-US" u="sng" dirty="0"/>
+                        <a:t>mail</a:t>
+                      </a:r>
+                      <a:endParaRPr lang="es-AR" u="sng" dirty="0"/>
+                    </a:p>
+                  </a:txBody>
+                  <a:tcPr>
+                    <a:lnL w="12700" cap="flat" cmpd="sng" algn="ctr">
+                      <a:solidFill>
+                        <a:schemeClr val="tx1"/>
+                      </a:solidFill>
+                      <a:prstDash val="solid"/>
+                      <a:round/>
+                      <a:headEnd type="none" w="med" len="med"/>
+                      <a:tailEnd type="none" w="med" len="med"/>
+                    </a:lnL>
+                    <a:lnR w="12700" cap="flat" cmpd="sng" algn="ctr">
+                      <a:solidFill>
+                        <a:schemeClr val="tx1"/>
+                      </a:solidFill>
+                      <a:prstDash val="solid"/>
+                      <a:round/>
+                      <a:headEnd type="none" w="med" len="med"/>
+                      <a:tailEnd type="none" w="med" len="med"/>
+                    </a:lnR>
+                    <a:lnT w="12700" cap="flat" cmpd="sng" algn="ctr">
+                      <a:noFill/>
+                      <a:prstDash val="solid"/>
+                      <a:round/>
+                      <a:headEnd type="none" w="med" len="med"/>
+                      <a:tailEnd type="none" w="med" len="med"/>
+                    </a:lnT>
+                    <a:lnB w="12700" cap="flat" cmpd="sng" algn="ctr">
+                      <a:solidFill>
+                        <a:schemeClr val="tx1"/>
+                      </a:solidFill>
+                      <a:prstDash val="solid"/>
+                      <a:round/>
+                      <a:headEnd type="none" w="med" len="med"/>
+                      <a:tailEnd type="none" w="med" len="med"/>
+                    </a:lnB>
+                  </a:tcPr>
+                </a:tc>
+                <a:extLst>
+                  <a:ext uri="{0D108BD9-81ED-4DB2-BD59-A6C34878D82A}">
+                    <a16:rowId xmlns:a16="http://schemas.microsoft.com/office/drawing/2014/main" val="915626376"/>
                   </a:ext>
                 </a:extLst>
               </a:tr>
@@ -6963,46 +7175,6 @@
                 <a:extLst>
                   <a:ext uri="{0D108BD9-81ED-4DB2-BD59-A6C34878D82A}">
                     <a16:rowId xmlns:a16="http://schemas.microsoft.com/office/drawing/2014/main" val="4228970217"/>
-                  </a:ext>
-                </a:extLst>
-              </a:tr>
-              <a:tr h="370840">
-                <a:tc>
-                  <a:txBody>
-                    <a:bodyPr/>
-                    <a:lstStyle/>
-                    <a:p>
-                      <a:r>
-                        <a:rPr lang="en-US" dirty="0"/>
-                        <a:t>mail</a:t>
-                      </a:r>
-                      <a:endParaRPr lang="es-AR" dirty="0"/>
-                    </a:p>
-                  </a:txBody>
-                  <a:tcPr>
-                    <a:lnL w="12700" cap="flat" cmpd="sng" algn="ctr">
-                      <a:solidFill>
-                        <a:schemeClr val="tx1"/>
-                      </a:solidFill>
-                      <a:prstDash val="solid"/>
-                      <a:round/>
-                      <a:headEnd type="none" w="med" len="med"/>
-                      <a:tailEnd type="none" w="med" len="med"/>
-                    </a:lnL>
-                    <a:lnR w="12700" cap="flat" cmpd="sng" algn="ctr">
-                      <a:solidFill>
-                        <a:schemeClr val="tx1"/>
-                      </a:solidFill>
-                      <a:prstDash val="solid"/>
-                      <a:round/>
-                      <a:headEnd type="none" w="med" len="med"/>
-                      <a:tailEnd type="none" w="med" len="med"/>
-                    </a:lnR>
-                  </a:tcPr>
-                </a:tc>
-                <a:extLst>
-                  <a:ext uri="{0D108BD9-81ED-4DB2-BD59-A6C34878D82A}">
-                    <a16:rowId xmlns:a16="http://schemas.microsoft.com/office/drawing/2014/main" val="2039015975"/>
                   </a:ext>
                 </a:extLst>
               </a:tr>
@@ -10753,14 +10925,14 @@
           <p:nvPr>
             <p:extLst>
               <p:ext uri="{D42A27DB-BD31-4B8C-83A1-F6EECF244321}">
-                <p14:modId xmlns:p14="http://schemas.microsoft.com/office/powerpoint/2010/main" val="1067078738"/>
+                <p14:modId xmlns:p14="http://schemas.microsoft.com/office/powerpoint/2010/main" val="2623531058"/>
               </p:ext>
             </p:extLst>
           </p:nvPr>
         </p:nvGraphicFramePr>
         <p:xfrm>
           <a:off x="-3805351" y="3257866"/>
-          <a:ext cx="2544703" cy="3672840"/>
+          <a:ext cx="2544703" cy="4038600"/>
         </p:xfrm>
         <a:graphic>
           <a:graphicData uri="http://schemas.openxmlformats.org/drawingml/2006/table">
@@ -11245,6 +11417,72 @@
                 <a:extLst>
                   <a:ext uri="{0D108BD9-81ED-4DB2-BD59-A6C34878D82A}">
                     <a16:rowId xmlns:a16="http://schemas.microsoft.com/office/drawing/2014/main" val="795631600"/>
+                  </a:ext>
+                </a:extLst>
+              </a:tr>
+              <a:tr h="255632">
+                <a:tc>
+                  <a:txBody>
+                    <a:bodyPr/>
+                    <a:lstStyle/>
+                    <a:p>
+                      <a:r>
+                        <a:rPr lang="en-US" sz="1800" u="none" kern="1200" dirty="0" err="1">
+                          <a:solidFill>
+                            <a:schemeClr val="tx1"/>
+                          </a:solidFill>
+                          <a:latin typeface="+mn-lt"/>
+                          <a:ea typeface="+mn-ea"/>
+                          <a:cs typeface="+mn-cs"/>
+                        </a:rPr>
+                        <a:t>Cliente_mail</a:t>
+                      </a:r>
+                      <a:r>
+                        <a:rPr lang="es-AR" sz="1800" u="none" kern="1200" dirty="0">
+                          <a:solidFill>
+                            <a:schemeClr val="tx1"/>
+                          </a:solidFill>
+                          <a:latin typeface="+mn-lt"/>
+                          <a:ea typeface="+mn-ea"/>
+                          <a:cs typeface="+mn-cs"/>
+                        </a:rPr>
+                        <a:t> (FK)</a:t>
+                      </a:r>
+                      <a:endParaRPr lang="en-US" u="none" dirty="0"/>
+                    </a:p>
+                  </a:txBody>
+                  <a:tcPr>
+                    <a:lnL w="12700" cap="flat" cmpd="sng" algn="ctr">
+                      <a:solidFill>
+                        <a:schemeClr val="tx1"/>
+                      </a:solidFill>
+                      <a:prstDash val="solid"/>
+                      <a:round/>
+                      <a:headEnd type="none" w="med" len="med"/>
+                      <a:tailEnd type="none" w="med" len="med"/>
+                    </a:lnL>
+                    <a:lnR w="12700" cap="flat" cmpd="sng" algn="ctr">
+                      <a:solidFill>
+                        <a:schemeClr val="tx1"/>
+                      </a:solidFill>
+                      <a:prstDash val="solid"/>
+                      <a:round/>
+                      <a:headEnd type="none" w="med" len="med"/>
+                      <a:tailEnd type="none" w="med" len="med"/>
+                    </a:lnR>
+                    <a:lnTlToBr w="12700" cmpd="sng">
+                      <a:noFill/>
+                      <a:prstDash val="solid"/>
+                    </a:lnTlToBr>
+                    <a:lnBlToTr w="12700" cmpd="sng">
+                      <a:noFill/>
+                      <a:prstDash val="solid"/>
+                    </a:lnBlToTr>
+                  </a:tcPr>
+                </a:tc>
+                <a:extLst>
+                  <a:ext uri="{0D108BD9-81ED-4DB2-BD59-A6C34878D82A}">
+                    <a16:rowId xmlns:a16="http://schemas.microsoft.com/office/drawing/2014/main" val="1141611334"/>
                   </a:ext>
                 </a:extLst>
               </a:tr>
@@ -11810,14 +12048,14 @@
           <p:nvPr>
             <p:extLst>
               <p:ext uri="{D42A27DB-BD31-4B8C-83A1-F6EECF244321}">
-                <p14:modId xmlns:p14="http://schemas.microsoft.com/office/powerpoint/2010/main" val="3873960749"/>
+                <p14:modId xmlns:p14="http://schemas.microsoft.com/office/powerpoint/2010/main" val="2251456706"/>
               </p:ext>
             </p:extLst>
           </p:nvPr>
         </p:nvGraphicFramePr>
         <p:xfrm>
           <a:off x="-7597352" y="5539680"/>
-          <a:ext cx="2544702" cy="2209800"/>
+          <a:ext cx="2544702" cy="2575560"/>
         </p:xfrm>
         <a:graphic>
           <a:graphicData uri="http://schemas.openxmlformats.org/drawingml/2006/table">
@@ -12153,15 +12391,6 @@
                       <a:headEnd type="none" w="med" len="med"/>
                       <a:tailEnd type="none" w="med" len="med"/>
                     </a:lnR>
-                    <a:lnB w="12700" cap="flat" cmpd="sng" algn="ctr">
-                      <a:solidFill>
-                        <a:schemeClr val="tx1"/>
-                      </a:solidFill>
-                      <a:prstDash val="solid"/>
-                      <a:round/>
-                      <a:headEnd type="none" w="med" len="med"/>
-                      <a:tailEnd type="none" w="med" len="med"/>
-                    </a:lnB>
                     <a:lnTlToBr w="12700" cmpd="sng">
                       <a:noFill/>
                       <a:prstDash val="solid"/>
@@ -12175,6 +12404,92 @@
                 <a:extLst>
                   <a:ext uri="{0D108BD9-81ED-4DB2-BD59-A6C34878D82A}">
                     <a16:rowId xmlns:a16="http://schemas.microsoft.com/office/drawing/2014/main" val="1762413501"/>
+                  </a:ext>
+                </a:extLst>
+              </a:tr>
+              <a:tr h="255632">
+                <a:tc>
+                  <a:txBody>
+                    <a:bodyPr/>
+                    <a:lstStyle/>
+                    <a:p>
+                      <a:r>
+                        <a:rPr lang="en-US" sz="1800" u="none" kern="1200" dirty="0">
+                          <a:solidFill>
+                            <a:schemeClr val="tx1"/>
+                          </a:solidFill>
+                          <a:latin typeface="+mn-lt"/>
+                          <a:ea typeface="+mn-ea"/>
+                          <a:cs typeface="+mn-cs"/>
+                        </a:rPr>
+                        <a:t>U</a:t>
+                      </a:r>
+                      <a:r>
+                        <a:rPr lang="es-AR" sz="1800" u="none" kern="1200" dirty="0" err="1">
+                          <a:solidFill>
+                            <a:schemeClr val="tx1"/>
+                          </a:solidFill>
+                          <a:latin typeface="+mn-lt"/>
+                          <a:ea typeface="+mn-ea"/>
+                          <a:cs typeface="+mn-cs"/>
+                        </a:rPr>
+                        <a:t>suario_mail</a:t>
+                      </a:r>
+                      <a:r>
+                        <a:rPr lang="es-AR" sz="1800" u="none" kern="1200" dirty="0">
+                          <a:solidFill>
+                            <a:schemeClr val="tx1"/>
+                          </a:solidFill>
+                          <a:latin typeface="+mn-lt"/>
+                          <a:ea typeface="+mn-ea"/>
+                          <a:cs typeface="+mn-cs"/>
+                        </a:rPr>
+                        <a:t> (FK)</a:t>
+                      </a:r>
+                      <a:endParaRPr lang="es-AR" u="none" dirty="0"/>
+                    </a:p>
+                  </a:txBody>
+                  <a:tcPr>
+                    <a:lnL w="12700" cap="flat" cmpd="sng" algn="ctr">
+                      <a:solidFill>
+                        <a:schemeClr val="tx1"/>
+                      </a:solidFill>
+                      <a:prstDash val="solid"/>
+                      <a:round/>
+                      <a:headEnd type="none" w="med" len="med"/>
+                      <a:tailEnd type="none" w="med" len="med"/>
+                    </a:lnL>
+                    <a:lnR w="12700" cap="flat" cmpd="sng" algn="ctr">
+                      <a:solidFill>
+                        <a:schemeClr val="tx1"/>
+                      </a:solidFill>
+                      <a:prstDash val="solid"/>
+                      <a:round/>
+                      <a:headEnd type="none" w="med" len="med"/>
+                      <a:tailEnd type="none" w="med" len="med"/>
+                    </a:lnR>
+                    <a:lnB w="12700" cap="flat" cmpd="sng" algn="ctr">
+                      <a:solidFill>
+                        <a:schemeClr val="tx1"/>
+                      </a:solidFill>
+                      <a:prstDash val="solid"/>
+                      <a:round/>
+                      <a:headEnd type="none" w="med" len="med"/>
+                      <a:tailEnd type="none" w="med" len="med"/>
+                    </a:lnB>
+                    <a:lnTlToBr w="12700" cmpd="sng">
+                      <a:noFill/>
+                      <a:prstDash val="solid"/>
+                    </a:lnTlToBr>
+                    <a:lnBlToTr w="12700" cmpd="sng">
+                      <a:noFill/>
+                      <a:prstDash val="solid"/>
+                    </a:lnBlToTr>
+                  </a:tcPr>
+                </a:tc>
+                <a:extLst>
+                  <a:ext uri="{0D108BD9-81ED-4DB2-BD59-A6C34878D82A}">
+                    <a16:rowId xmlns:a16="http://schemas.microsoft.com/office/drawing/2014/main" val="831622549"/>
                   </a:ext>
                 </a:extLst>
               </a:tr>
@@ -15352,8 +15667,8 @@
         </p:nvCxnSpPr>
         <p:spPr>
           <a:xfrm>
-            <a:off x="-8500540" y="-4131840"/>
-            <a:ext cx="13720612" cy="41475"/>
+            <a:off x="-8892858" y="-4106426"/>
+            <a:ext cx="14112930" cy="16061"/>
           </a:xfrm>
           <a:prstGeom prst="line">
             <a:avLst/>
@@ -15397,8 +15712,8 @@
         </p:nvCxnSpPr>
         <p:spPr>
           <a:xfrm>
-            <a:off x="-8514384" y="6425918"/>
-            <a:ext cx="918715" cy="9459"/>
+            <a:off x="-8899715" y="6435377"/>
+            <a:ext cx="1304046" cy="0"/>
           </a:xfrm>
           <a:prstGeom prst="line">
             <a:avLst/>
@@ -15676,7 +15991,7 @@
         </p:nvCxnSpPr>
         <p:spPr>
           <a:xfrm flipH="1">
-            <a:off x="-8514384" y="-4131840"/>
+            <a:off x="-8907341" y="-4131840"/>
             <a:ext cx="13845" cy="10557758"/>
           </a:xfrm>
           <a:prstGeom prst="line">
@@ -17093,14 +17408,14 @@
           <p:nvPr>
             <p:extLst>
               <p:ext uri="{D42A27DB-BD31-4B8C-83A1-F6EECF244321}">
-                <p14:modId xmlns:p14="http://schemas.microsoft.com/office/powerpoint/2010/main" val="1240198169"/>
+                <p14:modId xmlns:p14="http://schemas.microsoft.com/office/powerpoint/2010/main" val="1802642920"/>
               </p:ext>
             </p:extLst>
           </p:nvPr>
         </p:nvGraphicFramePr>
         <p:xfrm>
           <a:off x="5949649" y="1153552"/>
-          <a:ext cx="2294759" cy="1483360"/>
+          <a:ext cx="2294759" cy="1854200"/>
         </p:xfrm>
         <a:graphic>
           <a:graphicData uri="http://schemas.openxmlformats.org/drawingml/2006/table">
@@ -17310,7 +17625,7 @@
                     <a:lstStyle/>
                     <a:p>
                       <a:r>
-                        <a:rPr lang="es-AR" sz="1800" u="sng" kern="1200">
+                        <a:rPr lang="en-US" sz="1800" u="sng" kern="1200" dirty="0">
                           <a:solidFill>
                             <a:schemeClr val="tx1"/>
                           </a:solidFill>
@@ -17318,7 +17633,18 @@
                           <a:ea typeface="+mn-ea"/>
                           <a:cs typeface="+mn-cs"/>
                         </a:rPr>
-                        <a:t>Hotel_codigo </a:t>
+                        <a:t>U</a:t>
+                      </a:r>
+                      <a:r>
+                        <a:rPr lang="es-AR" sz="1800" u="sng" kern="1200" dirty="0" err="1">
+                          <a:solidFill>
+                            <a:schemeClr val="tx1"/>
+                          </a:solidFill>
+                          <a:latin typeface="+mn-lt"/>
+                          <a:ea typeface="+mn-ea"/>
+                          <a:cs typeface="+mn-cs"/>
+                        </a:rPr>
+                        <a:t>suario_mail</a:t>
                       </a:r>
                       <a:r>
                         <a:rPr lang="es-AR" sz="1800" u="sng" kern="1200" dirty="0">
@@ -17329,7 +17655,71 @@
                           <a:ea typeface="+mn-ea"/>
                           <a:cs typeface="+mn-cs"/>
                         </a:rPr>
-                        <a:t>(FK)</a:t>
+                        <a:t> (FK)</a:t>
+                      </a:r>
+                      <a:endParaRPr lang="es-AR" dirty="0"/>
+                    </a:p>
+                  </a:txBody>
+                  <a:tcPr>
+                    <a:lnL w="12700" cap="flat" cmpd="sng" algn="ctr">
+                      <a:solidFill>
+                        <a:schemeClr val="tx1"/>
+                      </a:solidFill>
+                      <a:prstDash val="solid"/>
+                      <a:round/>
+                      <a:headEnd type="none" w="med" len="med"/>
+                      <a:tailEnd type="none" w="med" len="med"/>
+                    </a:lnL>
+                    <a:lnR w="12700" cap="flat" cmpd="sng" algn="ctr">
+                      <a:solidFill>
+                        <a:schemeClr val="tx1"/>
+                      </a:solidFill>
+                      <a:prstDash val="solid"/>
+                      <a:round/>
+                      <a:headEnd type="none" w="med" len="med"/>
+                      <a:tailEnd type="none" w="med" len="med"/>
+                    </a:lnR>
+                    <a:lnT>
+                      <a:noFill/>
+                    </a:lnT>
+                    <a:lnB>
+                      <a:noFill/>
+                    </a:lnB>
+                  </a:tcPr>
+                </a:tc>
+                <a:extLst>
+                  <a:ext uri="{0D108BD9-81ED-4DB2-BD59-A6C34878D82A}">
+                    <a16:rowId xmlns:a16="http://schemas.microsoft.com/office/drawing/2014/main" val="2473034613"/>
+                  </a:ext>
+                </a:extLst>
+              </a:tr>
+              <a:tr h="370840">
+                <a:tc>
+                  <a:txBody>
+                    <a:bodyPr/>
+                    <a:lstStyle/>
+                    <a:p>
+                      <a:r>
+                        <a:rPr lang="es-AR" sz="1800" u="sng" kern="1200" dirty="0" err="1">
+                          <a:solidFill>
+                            <a:schemeClr val="tx1"/>
+                          </a:solidFill>
+                          <a:latin typeface="+mn-lt"/>
+                          <a:ea typeface="+mn-ea"/>
+                          <a:cs typeface="+mn-cs"/>
+                        </a:rPr>
+                        <a:t>Hotel_codigo</a:t>
+                      </a:r>
+                      <a:r>
+                        <a:rPr lang="es-AR" sz="1800" u="sng" kern="1200" dirty="0">
+                          <a:solidFill>
+                            <a:schemeClr val="tx1"/>
+                          </a:solidFill>
+                          <a:latin typeface="+mn-lt"/>
+                          <a:ea typeface="+mn-ea"/>
+                          <a:cs typeface="+mn-cs"/>
+                        </a:rPr>
+                        <a:t> (FK)</a:t>
                       </a:r>
                       <a:endParaRPr lang="es-AR" dirty="0"/>
                     </a:p>
@@ -18749,6 +19139,326 @@
           <a:xfrm flipV="1">
             <a:off x="-1104233" y="6348782"/>
             <a:ext cx="201881" cy="225629"/>
+          </a:xfrm>
+          <a:prstGeom prst="line">
+            <a:avLst/>
+          </a:prstGeom>
+          <a:ln cmpd="sng">
+            <a:solidFill>
+              <a:schemeClr val="tx1">
+                <a:alpha val="96000"/>
+              </a:schemeClr>
+            </a:solidFill>
+          </a:ln>
+        </p:spPr>
+        <p:style>
+          <a:lnRef idx="1">
+            <a:schemeClr val="accent1"/>
+          </a:lnRef>
+          <a:fillRef idx="0">
+            <a:schemeClr val="accent1"/>
+          </a:fillRef>
+          <a:effectRef idx="0">
+            <a:schemeClr val="accent1"/>
+          </a:effectRef>
+          <a:fontRef idx="minor">
+            <a:schemeClr val="tx1"/>
+          </a:fontRef>
+        </p:style>
+      </p:cxnSp>
+      <p:cxnSp>
+        <p:nvCxnSpPr>
+          <p:cNvPr id="225" name="Conector recto 266">
+            <a:extLst>
+              <a:ext uri="{FF2B5EF4-FFF2-40B4-BE49-F238E27FC236}">
+                <a16:creationId xmlns:a16="http://schemas.microsoft.com/office/drawing/2014/main" id="{65E184E3-5F49-4FBC-909F-CA856BDD7A31}"/>
+              </a:ext>
+            </a:extLst>
+          </p:cNvPr>
+          <p:cNvCxnSpPr>
+            <a:cxnSpLocks/>
+          </p:cNvCxnSpPr>
+          <p:nvPr/>
+        </p:nvCxnSpPr>
+        <p:spPr>
+          <a:xfrm>
+            <a:off x="-8515465" y="5747710"/>
+            <a:ext cx="918715" cy="9459"/>
+          </a:xfrm>
+          <a:prstGeom prst="line">
+            <a:avLst/>
+          </a:prstGeom>
+          <a:ln cmpd="sng">
+            <a:solidFill>
+              <a:schemeClr val="tx1">
+                <a:alpha val="96000"/>
+              </a:schemeClr>
+            </a:solidFill>
+          </a:ln>
+        </p:spPr>
+        <p:style>
+          <a:lnRef idx="1">
+            <a:schemeClr val="accent1"/>
+          </a:lnRef>
+          <a:fillRef idx="0">
+            <a:schemeClr val="accent1"/>
+          </a:fillRef>
+          <a:effectRef idx="0">
+            <a:schemeClr val="accent1"/>
+          </a:effectRef>
+          <a:fontRef idx="minor">
+            <a:schemeClr val="tx1"/>
+          </a:fontRef>
+        </p:style>
+      </p:cxnSp>
+      <p:sp>
+        <p:nvSpPr>
+          <p:cNvPr id="226" name="26 Elipse">
+            <a:extLst>
+              <a:ext uri="{FF2B5EF4-FFF2-40B4-BE49-F238E27FC236}">
+                <a16:creationId xmlns:a16="http://schemas.microsoft.com/office/drawing/2014/main" id="{451A07FC-156F-40BD-B272-3936886E0E72}"/>
+              </a:ext>
+            </a:extLst>
+          </p:cNvPr>
+          <p:cNvSpPr/>
+          <p:nvPr/>
+        </p:nvSpPr>
+        <p:spPr>
+          <a:xfrm>
+            <a:off x="-8390521" y="5539892"/>
+            <a:ext cx="403761" cy="415636"/>
+          </a:xfrm>
+          <a:prstGeom prst="ellipse">
+            <a:avLst/>
+          </a:prstGeom>
+          <a:noFill/>
+          <a:ln cmpd="sng">
+            <a:solidFill>
+              <a:schemeClr val="tx1">
+                <a:alpha val="96000"/>
+              </a:schemeClr>
+            </a:solidFill>
+          </a:ln>
+        </p:spPr>
+        <p:style>
+          <a:lnRef idx="2">
+            <a:schemeClr val="accent1">
+              <a:shade val="50000"/>
+            </a:schemeClr>
+          </a:lnRef>
+          <a:fillRef idx="1">
+            <a:schemeClr val="accent1"/>
+          </a:fillRef>
+          <a:effectRef idx="0">
+            <a:schemeClr val="accent1"/>
+          </a:effectRef>
+          <a:fontRef idx="minor">
+            <a:schemeClr val="lt1"/>
+          </a:fontRef>
+        </p:style>
+        <p:txBody>
+          <a:bodyPr rtlCol="0" anchor="ctr"/>
+          <a:lstStyle/>
+          <a:p>
+            <a:pPr algn="ctr"/>
+            <a:endParaRPr lang="es-ES"/>
+          </a:p>
+        </p:txBody>
+      </p:sp>
+      <p:cxnSp>
+        <p:nvCxnSpPr>
+          <p:cNvPr id="227" name="27 Conector recto">
+            <a:extLst>
+              <a:ext uri="{FF2B5EF4-FFF2-40B4-BE49-F238E27FC236}">
+                <a16:creationId xmlns:a16="http://schemas.microsoft.com/office/drawing/2014/main" id="{C2BA7476-E512-483F-9252-DE8164D6FE2E}"/>
+              </a:ext>
+            </a:extLst>
+          </p:cNvPr>
+          <p:cNvCxnSpPr>
+            <a:cxnSpLocks/>
+          </p:cNvCxnSpPr>
+          <p:nvPr/>
+        </p:nvCxnSpPr>
+        <p:spPr>
+          <a:xfrm>
+            <a:off x="-7887754" y="5765521"/>
+            <a:ext cx="213756" cy="225631"/>
+          </a:xfrm>
+          <a:prstGeom prst="line">
+            <a:avLst/>
+          </a:prstGeom>
+          <a:ln cmpd="sng">
+            <a:solidFill>
+              <a:schemeClr val="tx1">
+                <a:alpha val="96000"/>
+              </a:schemeClr>
+            </a:solidFill>
+          </a:ln>
+        </p:spPr>
+        <p:style>
+          <a:lnRef idx="1">
+            <a:schemeClr val="accent1"/>
+          </a:lnRef>
+          <a:fillRef idx="0">
+            <a:schemeClr val="accent1"/>
+          </a:fillRef>
+          <a:effectRef idx="0">
+            <a:schemeClr val="accent1"/>
+          </a:effectRef>
+          <a:fontRef idx="minor">
+            <a:schemeClr val="tx1"/>
+          </a:fontRef>
+        </p:style>
+      </p:cxnSp>
+      <p:cxnSp>
+        <p:nvCxnSpPr>
+          <p:cNvPr id="282" name="28 Conector recto">
+            <a:extLst>
+              <a:ext uri="{FF2B5EF4-FFF2-40B4-BE49-F238E27FC236}">
+                <a16:creationId xmlns:a16="http://schemas.microsoft.com/office/drawing/2014/main" id="{12423F10-BEE3-49A4-AEFE-6824D7509945}"/>
+              </a:ext>
+            </a:extLst>
+          </p:cNvPr>
+          <p:cNvCxnSpPr>
+            <a:cxnSpLocks/>
+          </p:cNvCxnSpPr>
+          <p:nvPr/>
+        </p:nvCxnSpPr>
+        <p:spPr>
+          <a:xfrm flipV="1">
+            <a:off x="-7886465" y="5556030"/>
+            <a:ext cx="201881" cy="225630"/>
+          </a:xfrm>
+          <a:prstGeom prst="line">
+            <a:avLst/>
+          </a:prstGeom>
+          <a:ln cmpd="sng">
+            <a:solidFill>
+              <a:schemeClr val="tx1">
+                <a:alpha val="96000"/>
+              </a:schemeClr>
+            </a:solidFill>
+          </a:ln>
+        </p:spPr>
+        <p:style>
+          <a:lnRef idx="1">
+            <a:schemeClr val="accent1"/>
+          </a:lnRef>
+          <a:fillRef idx="0">
+            <a:schemeClr val="accent1"/>
+          </a:fillRef>
+          <a:effectRef idx="0">
+            <a:schemeClr val="accent1"/>
+          </a:effectRef>
+          <a:fontRef idx="minor">
+            <a:schemeClr val="tx1"/>
+          </a:fontRef>
+        </p:style>
+      </p:cxnSp>
+      <p:cxnSp>
+        <p:nvCxnSpPr>
+          <p:cNvPr id="283" name="153 Conector recto">
+            <a:extLst>
+              <a:ext uri="{FF2B5EF4-FFF2-40B4-BE49-F238E27FC236}">
+                <a16:creationId xmlns:a16="http://schemas.microsoft.com/office/drawing/2014/main" id="{47E6C8F0-5BD3-47C0-BA1C-03C86B332CD7}"/>
+              </a:ext>
+            </a:extLst>
+          </p:cNvPr>
+          <p:cNvCxnSpPr/>
+          <p:nvPr/>
+        </p:nvCxnSpPr>
+        <p:spPr>
+          <a:xfrm flipV="1">
+            <a:off x="-7918373" y="4711825"/>
+            <a:ext cx="5937" cy="409450"/>
+          </a:xfrm>
+          <a:prstGeom prst="line">
+            <a:avLst/>
+          </a:prstGeom>
+          <a:ln cmpd="sng">
+            <a:solidFill>
+              <a:schemeClr val="tx1">
+                <a:alpha val="96000"/>
+              </a:schemeClr>
+            </a:solidFill>
+          </a:ln>
+        </p:spPr>
+        <p:style>
+          <a:lnRef idx="1">
+            <a:schemeClr val="accent1"/>
+          </a:lnRef>
+          <a:fillRef idx="0">
+            <a:schemeClr val="accent1"/>
+          </a:fillRef>
+          <a:effectRef idx="0">
+            <a:schemeClr val="accent1"/>
+          </a:effectRef>
+          <a:fontRef idx="minor">
+            <a:schemeClr val="tx1"/>
+          </a:fontRef>
+        </p:style>
+      </p:cxnSp>
+      <p:cxnSp>
+        <p:nvCxnSpPr>
+          <p:cNvPr id="284" name="154 Conector recto">
+            <a:extLst>
+              <a:ext uri="{FF2B5EF4-FFF2-40B4-BE49-F238E27FC236}">
+                <a16:creationId xmlns:a16="http://schemas.microsoft.com/office/drawing/2014/main" id="{7C3BF55C-A518-4309-943D-4BC65C53E566}"/>
+              </a:ext>
+            </a:extLst>
+          </p:cNvPr>
+          <p:cNvCxnSpPr/>
+          <p:nvPr/>
+        </p:nvCxnSpPr>
+        <p:spPr>
+          <a:xfrm flipV="1">
+            <a:off x="-8062389" y="4711825"/>
+            <a:ext cx="5937" cy="409450"/>
+          </a:xfrm>
+          <a:prstGeom prst="line">
+            <a:avLst/>
+          </a:prstGeom>
+          <a:ln cmpd="sng">
+            <a:solidFill>
+              <a:schemeClr val="tx1">
+                <a:alpha val="96000"/>
+              </a:schemeClr>
+            </a:solidFill>
+          </a:ln>
+        </p:spPr>
+        <p:style>
+          <a:lnRef idx="1">
+            <a:schemeClr val="accent1"/>
+          </a:lnRef>
+          <a:fillRef idx="0">
+            <a:schemeClr val="accent1"/>
+          </a:fillRef>
+          <a:effectRef idx="0">
+            <a:schemeClr val="accent1"/>
+          </a:effectRef>
+          <a:fontRef idx="minor">
+            <a:schemeClr val="tx1"/>
+          </a:fontRef>
+        </p:style>
+      </p:cxnSp>
+      <p:cxnSp>
+        <p:nvCxnSpPr>
+          <p:cNvPr id="314" name="36 Conector recto">
+            <a:extLst>
+              <a:ext uri="{FF2B5EF4-FFF2-40B4-BE49-F238E27FC236}">
+                <a16:creationId xmlns:a16="http://schemas.microsoft.com/office/drawing/2014/main" id="{0908DA05-C145-47A5-96F5-1F3FB1858D86}"/>
+              </a:ext>
+            </a:extLst>
+          </p:cNvPr>
+          <p:cNvCxnSpPr>
+            <a:cxnSpLocks/>
+          </p:cNvCxnSpPr>
+          <p:nvPr/>
+        </p:nvCxnSpPr>
+        <p:spPr>
+          <a:xfrm>
+            <a:off x="-8515465" y="4916550"/>
+            <a:ext cx="0" cy="831160"/>
           </a:xfrm>
           <a:prstGeom prst="line">
             <a:avLst/>
